--- a/docs/Images.pptx
+++ b/docs/Images.pptx
@@ -104,6 +104,11 @@
       </a:defRPr>
     </a:lvl9pPr>
   </p:defaultTextStyle>
+  <p:extLst>
+    <p:ext uri="{EFAFB233-063F-42B5-8137-9DF3F51BA10A}">
+      <p15:sldGuideLst xmlns:p15="http://schemas.microsoft.com/office/powerpoint/2012/main"/>
+    </p:ext>
+  </p:extLst>
 </p:presentation>
 </file>
 
@@ -256,7 +261,7 @@
           <a:p>
             <a:fld id="{2C20F5EC-8EF0-417F-9F3F-A436A2C12366}" type="datetimeFigureOut">
               <a:rPr lang="en-NZ" smtClean="0"/>
-              <a:t>7/06/2022</a:t>
+              <a:t>13/06/2022</a:t>
             </a:fld>
             <a:endParaRPr lang="en-NZ"/>
           </a:p>
@@ -456,7 +461,7 @@
           <a:p>
             <a:fld id="{2C20F5EC-8EF0-417F-9F3F-A436A2C12366}" type="datetimeFigureOut">
               <a:rPr lang="en-NZ" smtClean="0"/>
-              <a:t>7/06/2022</a:t>
+              <a:t>13/06/2022</a:t>
             </a:fld>
             <a:endParaRPr lang="en-NZ"/>
           </a:p>
@@ -666,7 +671,7 @@
           <a:p>
             <a:fld id="{2C20F5EC-8EF0-417F-9F3F-A436A2C12366}" type="datetimeFigureOut">
               <a:rPr lang="en-NZ" smtClean="0"/>
-              <a:t>7/06/2022</a:t>
+              <a:t>13/06/2022</a:t>
             </a:fld>
             <a:endParaRPr lang="en-NZ"/>
           </a:p>
@@ -866,7 +871,7 @@
           <a:p>
             <a:fld id="{2C20F5EC-8EF0-417F-9F3F-A436A2C12366}" type="datetimeFigureOut">
               <a:rPr lang="en-NZ" smtClean="0"/>
-              <a:t>7/06/2022</a:t>
+              <a:t>13/06/2022</a:t>
             </a:fld>
             <a:endParaRPr lang="en-NZ"/>
           </a:p>
@@ -1142,7 +1147,7 @@
           <a:p>
             <a:fld id="{2C20F5EC-8EF0-417F-9F3F-A436A2C12366}" type="datetimeFigureOut">
               <a:rPr lang="en-NZ" smtClean="0"/>
-              <a:t>7/06/2022</a:t>
+              <a:t>13/06/2022</a:t>
             </a:fld>
             <a:endParaRPr lang="en-NZ"/>
           </a:p>
@@ -1410,7 +1415,7 @@
           <a:p>
             <a:fld id="{2C20F5EC-8EF0-417F-9F3F-A436A2C12366}" type="datetimeFigureOut">
               <a:rPr lang="en-NZ" smtClean="0"/>
-              <a:t>7/06/2022</a:t>
+              <a:t>13/06/2022</a:t>
             </a:fld>
             <a:endParaRPr lang="en-NZ"/>
           </a:p>
@@ -1825,7 +1830,7 @@
           <a:p>
             <a:fld id="{2C20F5EC-8EF0-417F-9F3F-A436A2C12366}" type="datetimeFigureOut">
               <a:rPr lang="en-NZ" smtClean="0"/>
-              <a:t>7/06/2022</a:t>
+              <a:t>13/06/2022</a:t>
             </a:fld>
             <a:endParaRPr lang="en-NZ"/>
           </a:p>
@@ -1967,7 +1972,7 @@
           <a:p>
             <a:fld id="{2C20F5EC-8EF0-417F-9F3F-A436A2C12366}" type="datetimeFigureOut">
               <a:rPr lang="en-NZ" smtClean="0"/>
-              <a:t>7/06/2022</a:t>
+              <a:t>13/06/2022</a:t>
             </a:fld>
             <a:endParaRPr lang="en-NZ"/>
           </a:p>
@@ -2080,7 +2085,7 @@
           <a:p>
             <a:fld id="{2C20F5EC-8EF0-417F-9F3F-A436A2C12366}" type="datetimeFigureOut">
               <a:rPr lang="en-NZ" smtClean="0"/>
-              <a:t>7/06/2022</a:t>
+              <a:t>13/06/2022</a:t>
             </a:fld>
             <a:endParaRPr lang="en-NZ"/>
           </a:p>
@@ -2393,7 +2398,7 @@
           <a:p>
             <a:fld id="{2C20F5EC-8EF0-417F-9F3F-A436A2C12366}" type="datetimeFigureOut">
               <a:rPr lang="en-NZ" smtClean="0"/>
-              <a:t>7/06/2022</a:t>
+              <a:t>13/06/2022</a:t>
             </a:fld>
             <a:endParaRPr lang="en-NZ"/>
           </a:p>
@@ -2682,7 +2687,7 @@
           <a:p>
             <a:fld id="{2C20F5EC-8EF0-417F-9F3F-A436A2C12366}" type="datetimeFigureOut">
               <a:rPr lang="en-NZ" smtClean="0"/>
-              <a:t>7/06/2022</a:t>
+              <a:t>13/06/2022</a:t>
             </a:fld>
             <a:endParaRPr lang="en-NZ"/>
           </a:p>
@@ -2925,7 +2930,7 @@
           <a:p>
             <a:fld id="{2C20F5EC-8EF0-417F-9F3F-A436A2C12366}" type="datetimeFigureOut">
               <a:rPr lang="en-NZ" smtClean="0"/>
-              <a:t>7/06/2022</a:t>
+              <a:t>13/06/2022</a:t>
             </a:fld>
             <a:endParaRPr lang="en-NZ"/>
           </a:p>
@@ -3408,7 +3413,22 @@
                   </a:solidFill>
                 </a:ln>
               </a:rPr>
-              <a:t>Authoring Toolkits</a:t>
+              <a:t>Authoring</a:t>
+            </a:r>
+          </a:p>
+          <a:p>
+            <a:pPr algn="ctr"/>
+            <a:r>
+              <a:rPr lang="en-NZ" sz="2800" dirty="0">
+                <a:ln>
+                  <a:solidFill>
+                    <a:schemeClr val="bg2">
+                      <a:lumMod val="90000"/>
+                    </a:schemeClr>
+                  </a:solidFill>
+                </a:ln>
+              </a:rPr>
+              <a:t>Toolkits</a:t>
             </a:r>
           </a:p>
         </p:txBody>
@@ -3479,7 +3499,22 @@
                   </a:solidFill>
                 </a:ln>
               </a:rPr>
-              <a:t>Using Toolkits</a:t>
+              <a:t>Using</a:t>
+            </a:r>
+          </a:p>
+          <a:p>
+            <a:pPr algn="ctr"/>
+            <a:r>
+              <a:rPr lang="en-NZ" sz="2800" dirty="0">
+                <a:ln>
+                  <a:solidFill>
+                    <a:schemeClr val="bg2">
+                      <a:lumMod val="90000"/>
+                    </a:schemeClr>
+                  </a:solidFill>
+                </a:ln>
+              </a:rPr>
+              <a:t>Toolkits</a:t>
             </a:r>
           </a:p>
         </p:txBody>
@@ -3892,8 +3927,8 @@
         </p:nvSpPr>
         <p:spPr>
           <a:xfrm>
-            <a:off x="5518428" y="3710912"/>
-            <a:ext cx="992901" cy="369332"/>
+            <a:off x="5611609" y="3738049"/>
+            <a:ext cx="789960" cy="369332"/>
           </a:xfrm>
           <a:prstGeom prst="rect">
             <a:avLst/>
@@ -3912,7 +3947,7 @@
                   <a:schemeClr val="bg1"/>
                 </a:solidFill>
               </a:rPr>
-              <a:t>A Toolkit</a:t>
+              <a:t>toolkit</a:t>
             </a:r>
           </a:p>
         </p:txBody>
@@ -3932,7 +3967,7 @@
         <p:spPr>
           <a:xfrm>
             <a:off x="3372422" y="3766005"/>
-            <a:ext cx="1470724" cy="923330"/>
+            <a:ext cx="1448282" cy="646331"/>
           </a:xfrm>
           <a:prstGeom prst="rect">
             <a:avLst/>
@@ -3951,27 +3986,22 @@
                   <a:schemeClr val="bg1"/>
                 </a:solidFill>
               </a:rPr>
-              <a:t>A Model of</a:t>
-            </a:r>
-          </a:p>
-          <a:p>
-            <a:r>
+              <a:t>+ automation</a:t>
+            </a:r>
+            <a:br>
               <a:rPr lang="en-NZ" dirty="0">
                 <a:solidFill>
                   <a:schemeClr val="bg1"/>
                 </a:solidFill>
               </a:rPr>
-              <a:t>+ Templates</a:t>
-            </a:r>
-          </a:p>
-          <a:p>
+            </a:br>
             <a:r>
               <a:rPr lang="en-NZ" dirty="0">
                 <a:solidFill>
                   <a:schemeClr val="bg1"/>
                 </a:solidFill>
               </a:rPr>
-              <a:t>+ Automation</a:t>
+              <a:t>+ constraints</a:t>
             </a:r>
           </a:p>
         </p:txBody>
@@ -4184,7 +4214,7 @@
         <p:spPr>
           <a:xfrm>
             <a:off x="1823219" y="3820522"/>
-            <a:ext cx="1138966" cy="646331"/>
+            <a:ext cx="1290033" cy="923330"/>
           </a:xfrm>
           <a:prstGeom prst="rect">
             <a:avLst/>
@@ -4203,7 +4233,7 @@
                   <a:schemeClr val="bg1"/>
                 </a:solidFill>
               </a:rPr>
-              <a:t>Code</a:t>
+              <a:t>+ structure</a:t>
             </a:r>
           </a:p>
           <a:p>
@@ -4213,7 +4243,17 @@
                   <a:schemeClr val="bg1"/>
                 </a:solidFill>
               </a:rPr>
-              <a:t>Templates</a:t>
+              <a:t>+ snippets</a:t>
+            </a:r>
+          </a:p>
+          <a:p>
+            <a:r>
+              <a:rPr lang="en-NZ" dirty="0">
+                <a:solidFill>
+                  <a:schemeClr val="bg1"/>
+                </a:solidFill>
+              </a:rPr>
+              <a:t>+ templates</a:t>
             </a:r>
           </a:p>
         </p:txBody>
@@ -4437,7 +4477,7 @@
                     <a:schemeClr val="bg1"/>
                   </a:solidFill>
                 </a:rPr>
-                <a:t>A Draft</a:t>
+                <a:t>A draft</a:t>
               </a:r>
             </a:p>
           </p:txBody>
@@ -4611,7 +4651,7 @@
         <p:spPr>
           <a:xfrm>
             <a:off x="3743284" y="6328512"/>
-            <a:ext cx="2915542" cy="400110"/>
+            <a:ext cx="3069430" cy="400110"/>
           </a:xfrm>
           <a:prstGeom prst="rect">
             <a:avLst/>
@@ -4632,7 +4672,7 @@
               <a:rPr lang="en-NZ" sz="2000" b="1" dirty="0">
                 <a:latin typeface="Lucida Console" panose="020B0609040504020204" pitchFamily="49" charset="0"/>
               </a:rPr>
-              <a:t>automate</a:t>
+              <a:t>automate </a:t>
             </a:r>
             <a:r>
               <a:rPr lang="en-NZ" b="1" dirty="0"/>

--- a/docs/Images.pptx
+++ b/docs/Images.pptx
@@ -6,6 +6,7 @@
   </p:sldMasterIdLst>
   <p:sldIdLst>
     <p:sldId id="256" r:id="rId2"/>
+    <p:sldId id="257" r:id="rId3"/>
   </p:sldIdLst>
   <p:sldSz cx="12192000" cy="6858000"/>
   <p:notesSz cx="6858000" cy="9144000"/>
@@ -112,6 +113,2816 @@
 </p:presentation>
 </file>
 
+<file path=ppt/diagrams/colors1.xml><?xml version="1.0" encoding="utf-8"?>
+<dgm:colorsDef xmlns:dgm="http://schemas.openxmlformats.org/drawingml/2006/diagram" xmlns:a="http://schemas.openxmlformats.org/drawingml/2006/main" uniqueId="urn:microsoft.com/office/officeart/2005/8/colors/accent0_1">
+  <dgm:title val=""/>
+  <dgm:desc val=""/>
+  <dgm:catLst>
+    <dgm:cat type="mainScheme" pri="10100"/>
+  </dgm:catLst>
+  <dgm:styleLbl name="node0">
+    <dgm:fillClrLst meth="repeat">
+      <a:schemeClr val="lt1"/>
+    </dgm:fillClrLst>
+    <dgm:linClrLst meth="repeat">
+      <a:schemeClr val="dk1">
+        <a:shade val="80000"/>
+      </a:schemeClr>
+    </dgm:linClrLst>
+    <dgm:effectClrLst/>
+    <dgm:txLinClrLst/>
+    <dgm:txFillClrLst meth="repeat">
+      <a:schemeClr val="dk1"/>
+    </dgm:txFillClrLst>
+    <dgm:txEffectClrLst/>
+  </dgm:styleLbl>
+  <dgm:styleLbl name="node1">
+    <dgm:fillClrLst meth="repeat">
+      <a:schemeClr val="lt1"/>
+    </dgm:fillClrLst>
+    <dgm:linClrLst meth="repeat">
+      <a:schemeClr val="dk1">
+        <a:shade val="80000"/>
+      </a:schemeClr>
+    </dgm:linClrLst>
+    <dgm:effectClrLst/>
+    <dgm:txLinClrLst/>
+    <dgm:txFillClrLst meth="repeat">
+      <a:schemeClr val="dk1"/>
+    </dgm:txFillClrLst>
+    <dgm:txEffectClrLst/>
+  </dgm:styleLbl>
+  <dgm:styleLbl name="alignNode1">
+    <dgm:fillClrLst meth="repeat">
+      <a:schemeClr val="lt1"/>
+    </dgm:fillClrLst>
+    <dgm:linClrLst meth="repeat">
+      <a:schemeClr val="dk1">
+        <a:shade val="80000"/>
+      </a:schemeClr>
+    </dgm:linClrLst>
+    <dgm:effectClrLst/>
+    <dgm:txLinClrLst/>
+    <dgm:txFillClrLst meth="repeat">
+      <a:schemeClr val="dk1"/>
+    </dgm:txFillClrLst>
+    <dgm:txEffectClrLst/>
+  </dgm:styleLbl>
+  <dgm:styleLbl name="lnNode1">
+    <dgm:fillClrLst meth="repeat">
+      <a:schemeClr val="lt1"/>
+    </dgm:fillClrLst>
+    <dgm:linClrLst meth="repeat">
+      <a:schemeClr val="dk1">
+        <a:shade val="80000"/>
+      </a:schemeClr>
+    </dgm:linClrLst>
+    <dgm:effectClrLst/>
+    <dgm:txLinClrLst/>
+    <dgm:txFillClrLst meth="repeat">
+      <a:schemeClr val="dk1"/>
+    </dgm:txFillClrLst>
+    <dgm:txEffectClrLst/>
+  </dgm:styleLbl>
+  <dgm:styleLbl name="vennNode1">
+    <dgm:fillClrLst meth="repeat">
+      <a:schemeClr val="lt1">
+        <a:alpha val="50000"/>
+      </a:schemeClr>
+    </dgm:fillClrLst>
+    <dgm:linClrLst meth="repeat">
+      <a:schemeClr val="dk1">
+        <a:shade val="80000"/>
+      </a:schemeClr>
+    </dgm:linClrLst>
+    <dgm:effectClrLst/>
+    <dgm:txLinClrLst/>
+    <dgm:txFillClrLst/>
+    <dgm:txEffectClrLst/>
+  </dgm:styleLbl>
+  <dgm:styleLbl name="node2">
+    <dgm:fillClrLst meth="repeat">
+      <a:schemeClr val="lt1"/>
+    </dgm:fillClrLst>
+    <dgm:linClrLst meth="repeat">
+      <a:schemeClr val="dk1">
+        <a:shade val="80000"/>
+      </a:schemeClr>
+    </dgm:linClrLst>
+    <dgm:effectClrLst/>
+    <dgm:txLinClrLst/>
+    <dgm:txFillClrLst meth="repeat">
+      <a:schemeClr val="dk1"/>
+    </dgm:txFillClrLst>
+    <dgm:txEffectClrLst/>
+  </dgm:styleLbl>
+  <dgm:styleLbl name="node3">
+    <dgm:fillClrLst meth="repeat">
+      <a:schemeClr val="lt1"/>
+    </dgm:fillClrLst>
+    <dgm:linClrLst meth="repeat">
+      <a:schemeClr val="dk1">
+        <a:shade val="80000"/>
+      </a:schemeClr>
+    </dgm:linClrLst>
+    <dgm:effectClrLst/>
+    <dgm:txLinClrLst/>
+    <dgm:txFillClrLst meth="repeat">
+      <a:schemeClr val="dk1"/>
+    </dgm:txFillClrLst>
+    <dgm:txEffectClrLst/>
+  </dgm:styleLbl>
+  <dgm:styleLbl name="node4">
+    <dgm:fillClrLst meth="repeat">
+      <a:schemeClr val="lt1"/>
+    </dgm:fillClrLst>
+    <dgm:linClrLst meth="repeat">
+      <a:schemeClr val="dk1">
+        <a:shade val="80000"/>
+      </a:schemeClr>
+    </dgm:linClrLst>
+    <dgm:effectClrLst/>
+    <dgm:txLinClrLst/>
+    <dgm:txFillClrLst meth="repeat">
+      <a:schemeClr val="dk1"/>
+    </dgm:txFillClrLst>
+    <dgm:txEffectClrLst/>
+  </dgm:styleLbl>
+  <dgm:styleLbl name="fgImgPlace1">
+    <dgm:fillClrLst meth="repeat">
+      <a:schemeClr val="dk1">
+        <a:tint val="40000"/>
+      </a:schemeClr>
+    </dgm:fillClrLst>
+    <dgm:linClrLst meth="repeat">
+      <a:schemeClr val="dk1">
+        <a:shade val="80000"/>
+      </a:schemeClr>
+    </dgm:linClrLst>
+    <dgm:effectClrLst/>
+    <dgm:txLinClrLst/>
+    <dgm:txFillClrLst meth="repeat">
+      <a:schemeClr val="lt1"/>
+    </dgm:txFillClrLst>
+    <dgm:txEffectClrLst/>
+  </dgm:styleLbl>
+  <dgm:styleLbl name="alignImgPlace1">
+    <dgm:fillClrLst meth="repeat">
+      <a:schemeClr val="dk1">
+        <a:tint val="40000"/>
+      </a:schemeClr>
+    </dgm:fillClrLst>
+    <dgm:linClrLst meth="repeat">
+      <a:schemeClr val="dk1">
+        <a:shade val="80000"/>
+      </a:schemeClr>
+    </dgm:linClrLst>
+    <dgm:effectClrLst/>
+    <dgm:txLinClrLst/>
+    <dgm:txFillClrLst meth="repeat">
+      <a:schemeClr val="lt1"/>
+    </dgm:txFillClrLst>
+    <dgm:txEffectClrLst/>
+  </dgm:styleLbl>
+  <dgm:styleLbl name="bgImgPlace1">
+    <dgm:fillClrLst meth="repeat">
+      <a:schemeClr val="dk1">
+        <a:tint val="40000"/>
+      </a:schemeClr>
+    </dgm:fillClrLst>
+    <dgm:linClrLst meth="repeat">
+      <a:schemeClr val="dk1">
+        <a:shade val="80000"/>
+      </a:schemeClr>
+    </dgm:linClrLst>
+    <dgm:effectClrLst/>
+    <dgm:txLinClrLst/>
+    <dgm:txFillClrLst meth="repeat">
+      <a:schemeClr val="lt1"/>
+    </dgm:txFillClrLst>
+    <dgm:txEffectClrLst/>
+  </dgm:styleLbl>
+  <dgm:styleLbl name="sibTrans2D1">
+    <dgm:fillClrLst meth="repeat">
+      <a:schemeClr val="dk1">
+        <a:tint val="60000"/>
+      </a:schemeClr>
+    </dgm:fillClrLst>
+    <dgm:linClrLst meth="repeat">
+      <a:schemeClr val="dk1">
+        <a:tint val="60000"/>
+      </a:schemeClr>
+    </dgm:linClrLst>
+    <dgm:effectClrLst/>
+    <dgm:txLinClrLst/>
+    <dgm:txFillClrLst meth="repeat">
+      <a:schemeClr val="dk1"/>
+    </dgm:txFillClrLst>
+    <dgm:txEffectClrLst/>
+  </dgm:styleLbl>
+  <dgm:styleLbl name="fgSibTrans2D1">
+    <dgm:fillClrLst meth="repeat">
+      <a:schemeClr val="dk1">
+        <a:tint val="60000"/>
+      </a:schemeClr>
+    </dgm:fillClrLst>
+    <dgm:linClrLst meth="repeat">
+      <a:schemeClr val="dk1">
+        <a:tint val="60000"/>
+      </a:schemeClr>
+    </dgm:linClrLst>
+    <dgm:effectClrLst/>
+    <dgm:txLinClrLst/>
+    <dgm:txFillClrLst meth="repeat">
+      <a:schemeClr val="dk1"/>
+    </dgm:txFillClrLst>
+    <dgm:txEffectClrLst/>
+  </dgm:styleLbl>
+  <dgm:styleLbl name="bgSibTrans2D1">
+    <dgm:fillClrLst meth="repeat">
+      <a:schemeClr val="dk1">
+        <a:tint val="60000"/>
+      </a:schemeClr>
+    </dgm:fillClrLst>
+    <dgm:linClrLst meth="repeat">
+      <a:schemeClr val="dk1">
+        <a:tint val="60000"/>
+      </a:schemeClr>
+    </dgm:linClrLst>
+    <dgm:effectClrLst/>
+    <dgm:txLinClrLst/>
+    <dgm:txFillClrLst meth="repeat">
+      <a:schemeClr val="dk1"/>
+    </dgm:txFillClrLst>
+    <dgm:txEffectClrLst/>
+  </dgm:styleLbl>
+  <dgm:styleLbl name="sibTrans1D1">
+    <dgm:fillClrLst meth="repeat">
+      <a:schemeClr val="dk1"/>
+    </dgm:fillClrLst>
+    <dgm:linClrLst meth="repeat">
+      <a:schemeClr val="dk1"/>
+    </dgm:linClrLst>
+    <dgm:effectClrLst/>
+    <dgm:txLinClrLst/>
+    <dgm:txFillClrLst meth="repeat">
+      <a:schemeClr val="tx1"/>
+    </dgm:txFillClrLst>
+    <dgm:txEffectClrLst/>
+  </dgm:styleLbl>
+  <dgm:styleLbl name="callout">
+    <dgm:fillClrLst meth="repeat">
+      <a:schemeClr val="dk1"/>
+    </dgm:fillClrLst>
+    <dgm:linClrLst meth="repeat">
+      <a:schemeClr val="dk1"/>
+    </dgm:linClrLst>
+    <dgm:effectClrLst/>
+    <dgm:txLinClrLst/>
+    <dgm:txFillClrLst meth="repeat">
+      <a:schemeClr val="tx1"/>
+    </dgm:txFillClrLst>
+    <dgm:txEffectClrLst/>
+  </dgm:styleLbl>
+  <dgm:styleLbl name="asst0">
+    <dgm:fillClrLst meth="repeat">
+      <a:schemeClr val="lt1"/>
+    </dgm:fillClrLst>
+    <dgm:linClrLst meth="repeat">
+      <a:schemeClr val="dk1">
+        <a:shade val="80000"/>
+      </a:schemeClr>
+    </dgm:linClrLst>
+    <dgm:effectClrLst/>
+    <dgm:txLinClrLst/>
+    <dgm:txFillClrLst meth="repeat">
+      <a:schemeClr val="dk1"/>
+    </dgm:txFillClrLst>
+    <dgm:txEffectClrLst/>
+  </dgm:styleLbl>
+  <dgm:styleLbl name="asst1">
+    <dgm:fillClrLst meth="repeat">
+      <a:schemeClr val="lt1"/>
+    </dgm:fillClrLst>
+    <dgm:linClrLst meth="repeat">
+      <a:schemeClr val="dk1">
+        <a:shade val="80000"/>
+      </a:schemeClr>
+    </dgm:linClrLst>
+    <dgm:effectClrLst/>
+    <dgm:txLinClrLst/>
+    <dgm:txFillClrLst meth="repeat">
+      <a:schemeClr val="dk1"/>
+    </dgm:txFillClrLst>
+    <dgm:txEffectClrLst/>
+  </dgm:styleLbl>
+  <dgm:styleLbl name="asst2">
+    <dgm:fillClrLst meth="repeat">
+      <a:schemeClr val="lt1"/>
+    </dgm:fillClrLst>
+    <dgm:linClrLst meth="repeat">
+      <a:schemeClr val="dk1">
+        <a:shade val="80000"/>
+      </a:schemeClr>
+    </dgm:linClrLst>
+    <dgm:effectClrLst/>
+    <dgm:txLinClrLst/>
+    <dgm:txFillClrLst meth="repeat">
+      <a:schemeClr val="dk1"/>
+    </dgm:txFillClrLst>
+    <dgm:txEffectClrLst/>
+  </dgm:styleLbl>
+  <dgm:styleLbl name="asst3">
+    <dgm:fillClrLst meth="repeat">
+      <a:schemeClr val="lt1"/>
+    </dgm:fillClrLst>
+    <dgm:linClrLst meth="repeat">
+      <a:schemeClr val="dk1">
+        <a:shade val="80000"/>
+      </a:schemeClr>
+    </dgm:linClrLst>
+    <dgm:effectClrLst/>
+    <dgm:txLinClrLst/>
+    <dgm:txFillClrLst meth="repeat">
+      <a:schemeClr val="dk1"/>
+    </dgm:txFillClrLst>
+    <dgm:txEffectClrLst/>
+  </dgm:styleLbl>
+  <dgm:styleLbl name="asst4">
+    <dgm:fillClrLst meth="repeat">
+      <a:schemeClr val="lt1"/>
+    </dgm:fillClrLst>
+    <dgm:linClrLst meth="repeat">
+      <a:schemeClr val="dk1">
+        <a:shade val="80000"/>
+      </a:schemeClr>
+    </dgm:linClrLst>
+    <dgm:effectClrLst/>
+    <dgm:txLinClrLst/>
+    <dgm:txFillClrLst meth="repeat">
+      <a:schemeClr val="dk1"/>
+    </dgm:txFillClrLst>
+    <dgm:txEffectClrLst/>
+  </dgm:styleLbl>
+  <dgm:styleLbl name="parChTrans2D1">
+    <dgm:fillClrLst meth="repeat">
+      <a:schemeClr val="dk1">
+        <a:tint val="60000"/>
+      </a:schemeClr>
+    </dgm:fillClrLst>
+    <dgm:linClrLst meth="repeat">
+      <a:schemeClr val="dk1">
+        <a:tint val="60000"/>
+      </a:schemeClr>
+    </dgm:linClrLst>
+    <dgm:effectClrLst/>
+    <dgm:txLinClrLst/>
+    <dgm:txFillClrLst/>
+    <dgm:txEffectClrLst/>
+  </dgm:styleLbl>
+  <dgm:styleLbl name="parChTrans2D2">
+    <dgm:fillClrLst meth="repeat">
+      <a:schemeClr val="dk1"/>
+    </dgm:fillClrLst>
+    <dgm:linClrLst meth="repeat">
+      <a:schemeClr val="dk1"/>
+    </dgm:linClrLst>
+    <dgm:effectClrLst/>
+    <dgm:txLinClrLst/>
+    <dgm:txFillClrLst/>
+    <dgm:txEffectClrLst/>
+  </dgm:styleLbl>
+  <dgm:styleLbl name="parChTrans2D3">
+    <dgm:fillClrLst meth="repeat">
+      <a:schemeClr val="dk1"/>
+    </dgm:fillClrLst>
+    <dgm:linClrLst meth="repeat">
+      <a:schemeClr val="dk1"/>
+    </dgm:linClrLst>
+    <dgm:effectClrLst/>
+    <dgm:txLinClrLst/>
+    <dgm:txFillClrLst/>
+    <dgm:txEffectClrLst/>
+  </dgm:styleLbl>
+  <dgm:styleLbl name="parChTrans2D4">
+    <dgm:fillClrLst meth="repeat">
+      <a:schemeClr val="dk1"/>
+    </dgm:fillClrLst>
+    <dgm:linClrLst meth="repeat">
+      <a:schemeClr val="dk1"/>
+    </dgm:linClrLst>
+    <dgm:effectClrLst/>
+    <dgm:txLinClrLst/>
+    <dgm:txFillClrLst meth="repeat">
+      <a:schemeClr val="lt1"/>
+    </dgm:txFillClrLst>
+    <dgm:txEffectClrLst/>
+  </dgm:styleLbl>
+  <dgm:styleLbl name="parChTrans1D1">
+    <dgm:fillClrLst meth="repeat">
+      <a:schemeClr val="dk1"/>
+    </dgm:fillClrLst>
+    <dgm:linClrLst meth="repeat">
+      <a:schemeClr val="dk1">
+        <a:shade val="60000"/>
+      </a:schemeClr>
+    </dgm:linClrLst>
+    <dgm:effectClrLst/>
+    <dgm:txLinClrLst/>
+    <dgm:txFillClrLst meth="repeat">
+      <a:schemeClr val="tx1"/>
+    </dgm:txFillClrLst>
+    <dgm:txEffectClrLst/>
+  </dgm:styleLbl>
+  <dgm:styleLbl name="parChTrans1D2">
+    <dgm:fillClrLst meth="repeat">
+      <a:schemeClr val="dk1"/>
+    </dgm:fillClrLst>
+    <dgm:linClrLst meth="repeat">
+      <a:schemeClr val="dk1">
+        <a:shade val="60000"/>
+      </a:schemeClr>
+    </dgm:linClrLst>
+    <dgm:effectClrLst/>
+    <dgm:txLinClrLst/>
+    <dgm:txFillClrLst meth="repeat">
+      <a:schemeClr val="tx1"/>
+    </dgm:txFillClrLst>
+    <dgm:txEffectClrLst/>
+  </dgm:styleLbl>
+  <dgm:styleLbl name="parChTrans1D3">
+    <dgm:fillClrLst meth="repeat">
+      <a:schemeClr val="dk1"/>
+    </dgm:fillClrLst>
+    <dgm:linClrLst meth="repeat">
+      <a:schemeClr val="dk1">
+        <a:shade val="80000"/>
+      </a:schemeClr>
+    </dgm:linClrLst>
+    <dgm:effectClrLst/>
+    <dgm:txLinClrLst/>
+    <dgm:txFillClrLst meth="repeat">
+      <a:schemeClr val="tx1"/>
+    </dgm:txFillClrLst>
+    <dgm:txEffectClrLst/>
+  </dgm:styleLbl>
+  <dgm:styleLbl name="parChTrans1D4">
+    <dgm:fillClrLst meth="repeat">
+      <a:schemeClr val="dk1"/>
+    </dgm:fillClrLst>
+    <dgm:linClrLst meth="repeat">
+      <a:schemeClr val="dk1">
+        <a:shade val="80000"/>
+      </a:schemeClr>
+    </dgm:linClrLst>
+    <dgm:effectClrLst/>
+    <dgm:txLinClrLst/>
+    <dgm:txFillClrLst meth="repeat">
+      <a:schemeClr val="tx1"/>
+    </dgm:txFillClrLst>
+    <dgm:txEffectClrLst/>
+  </dgm:styleLbl>
+  <dgm:styleLbl name="fgAcc1">
+    <dgm:fillClrLst meth="repeat">
+      <a:schemeClr val="dk1">
+        <a:alpha val="90000"/>
+        <a:tint val="40000"/>
+      </a:schemeClr>
+    </dgm:fillClrLst>
+    <dgm:linClrLst meth="repeat">
+      <a:schemeClr val="dk1"/>
+    </dgm:linClrLst>
+    <dgm:effectClrLst/>
+    <dgm:txLinClrLst/>
+    <dgm:txFillClrLst meth="repeat">
+      <a:schemeClr val="dk1"/>
+    </dgm:txFillClrLst>
+    <dgm:txEffectClrLst/>
+  </dgm:styleLbl>
+  <dgm:styleLbl name="conFgAcc1">
+    <dgm:fillClrLst meth="repeat">
+      <a:schemeClr val="dk1">
+        <a:alpha val="90000"/>
+        <a:tint val="40000"/>
+      </a:schemeClr>
+    </dgm:fillClrLst>
+    <dgm:linClrLst meth="repeat">
+      <a:schemeClr val="dk1"/>
+    </dgm:linClrLst>
+    <dgm:effectClrLst/>
+    <dgm:txLinClrLst/>
+    <dgm:txFillClrLst meth="repeat">
+      <a:schemeClr val="dk1"/>
+    </dgm:txFillClrLst>
+    <dgm:txEffectClrLst/>
+  </dgm:styleLbl>
+  <dgm:styleLbl name="alignAcc1">
+    <dgm:fillClrLst meth="repeat">
+      <a:schemeClr val="dk1">
+        <a:alpha val="90000"/>
+        <a:tint val="40000"/>
+      </a:schemeClr>
+    </dgm:fillClrLst>
+    <dgm:linClrLst meth="repeat">
+      <a:schemeClr val="dk1"/>
+    </dgm:linClrLst>
+    <dgm:effectClrLst/>
+    <dgm:txLinClrLst/>
+    <dgm:txFillClrLst meth="repeat">
+      <a:schemeClr val="dk1"/>
+    </dgm:txFillClrLst>
+    <dgm:txEffectClrLst/>
+  </dgm:styleLbl>
+  <dgm:styleLbl name="trAlignAcc1">
+    <dgm:fillClrLst meth="repeat">
+      <a:schemeClr val="dk1">
+        <a:alpha val="40000"/>
+        <a:tint val="40000"/>
+      </a:schemeClr>
+    </dgm:fillClrLst>
+    <dgm:linClrLst meth="repeat">
+      <a:schemeClr val="dk1"/>
+    </dgm:linClrLst>
+    <dgm:effectClrLst/>
+    <dgm:txLinClrLst/>
+    <dgm:txFillClrLst meth="repeat">
+      <a:schemeClr val="dk1"/>
+    </dgm:txFillClrLst>
+    <dgm:txEffectClrLst/>
+  </dgm:styleLbl>
+  <dgm:styleLbl name="bgAcc1">
+    <dgm:fillClrLst meth="repeat">
+      <a:schemeClr val="dk1">
+        <a:alpha val="90000"/>
+        <a:tint val="40000"/>
+      </a:schemeClr>
+    </dgm:fillClrLst>
+    <dgm:linClrLst meth="repeat">
+      <a:schemeClr val="dk1"/>
+    </dgm:linClrLst>
+    <dgm:effectClrLst/>
+    <dgm:txLinClrLst/>
+    <dgm:txFillClrLst meth="repeat">
+      <a:schemeClr val="dk1"/>
+    </dgm:txFillClrLst>
+    <dgm:txEffectClrLst/>
+  </dgm:styleLbl>
+  <dgm:styleLbl name="solidFgAcc1">
+    <dgm:fillClrLst meth="repeat">
+      <a:schemeClr val="lt1"/>
+    </dgm:fillClrLst>
+    <dgm:linClrLst meth="repeat">
+      <a:schemeClr val="dk1"/>
+    </dgm:linClrLst>
+    <dgm:effectClrLst/>
+    <dgm:txLinClrLst/>
+    <dgm:txFillClrLst meth="repeat">
+      <a:schemeClr val="dk1"/>
+    </dgm:txFillClrLst>
+    <dgm:txEffectClrLst/>
+  </dgm:styleLbl>
+  <dgm:styleLbl name="solidAlignAcc1">
+    <dgm:fillClrLst meth="repeat">
+      <a:schemeClr val="lt1"/>
+    </dgm:fillClrLst>
+    <dgm:linClrLst meth="repeat">
+      <a:schemeClr val="dk1"/>
+    </dgm:linClrLst>
+    <dgm:effectClrLst/>
+    <dgm:txLinClrLst/>
+    <dgm:txFillClrLst meth="repeat">
+      <a:schemeClr val="dk1"/>
+    </dgm:txFillClrLst>
+    <dgm:txEffectClrLst/>
+  </dgm:styleLbl>
+  <dgm:styleLbl name="solidBgAcc1">
+    <dgm:fillClrLst meth="repeat">
+      <a:schemeClr val="lt1"/>
+    </dgm:fillClrLst>
+    <dgm:linClrLst meth="repeat">
+      <a:schemeClr val="dk1"/>
+    </dgm:linClrLst>
+    <dgm:effectClrLst/>
+    <dgm:txLinClrLst/>
+    <dgm:txFillClrLst meth="repeat">
+      <a:schemeClr val="dk1"/>
+    </dgm:txFillClrLst>
+    <dgm:txEffectClrLst/>
+  </dgm:styleLbl>
+  <dgm:styleLbl name="fgAccFollowNode1">
+    <dgm:fillClrLst meth="repeat">
+      <a:schemeClr val="lt1">
+        <a:alpha val="90000"/>
+        <a:tint val="40000"/>
+      </a:schemeClr>
+    </dgm:fillClrLst>
+    <dgm:linClrLst meth="repeat">
+      <a:schemeClr val="dk1">
+        <a:alpha val="90000"/>
+      </a:schemeClr>
+    </dgm:linClrLst>
+    <dgm:effectClrLst/>
+    <dgm:txLinClrLst/>
+    <dgm:txFillClrLst meth="repeat">
+      <a:schemeClr val="dk1"/>
+    </dgm:txFillClrLst>
+    <dgm:txEffectClrLst/>
+  </dgm:styleLbl>
+  <dgm:styleLbl name="alignAccFollowNode1">
+    <dgm:fillClrLst meth="repeat">
+      <a:schemeClr val="lt1">
+        <a:alpha val="90000"/>
+        <a:tint val="40000"/>
+      </a:schemeClr>
+    </dgm:fillClrLst>
+    <dgm:linClrLst meth="repeat">
+      <a:schemeClr val="dk1">
+        <a:alpha val="90000"/>
+      </a:schemeClr>
+    </dgm:linClrLst>
+    <dgm:effectClrLst/>
+    <dgm:txLinClrLst/>
+    <dgm:txFillClrLst meth="repeat">
+      <a:schemeClr val="dk1"/>
+    </dgm:txFillClrLst>
+    <dgm:txEffectClrLst/>
+  </dgm:styleLbl>
+  <dgm:styleLbl name="bgAccFollowNode1">
+    <dgm:fillClrLst meth="repeat">
+      <a:schemeClr val="lt1">
+        <a:alpha val="90000"/>
+        <a:tint val="40000"/>
+      </a:schemeClr>
+    </dgm:fillClrLst>
+    <dgm:linClrLst meth="repeat">
+      <a:schemeClr val="dk1">
+        <a:alpha val="90000"/>
+      </a:schemeClr>
+    </dgm:linClrLst>
+    <dgm:effectClrLst/>
+    <dgm:txLinClrLst/>
+    <dgm:txFillClrLst meth="repeat">
+      <a:schemeClr val="dk1"/>
+    </dgm:txFillClrLst>
+    <dgm:txEffectClrLst/>
+  </dgm:styleLbl>
+  <dgm:styleLbl name="fgAcc0">
+    <dgm:fillClrLst meth="repeat">
+      <a:schemeClr val="dk1">
+        <a:alpha val="90000"/>
+        <a:tint val="40000"/>
+      </a:schemeClr>
+    </dgm:fillClrLst>
+    <dgm:linClrLst meth="repeat">
+      <a:schemeClr val="dk1"/>
+    </dgm:linClrLst>
+    <dgm:effectClrLst/>
+    <dgm:txLinClrLst/>
+    <dgm:txFillClrLst meth="repeat">
+      <a:schemeClr val="dk1"/>
+    </dgm:txFillClrLst>
+    <dgm:txEffectClrLst/>
+  </dgm:styleLbl>
+  <dgm:styleLbl name="fgAcc2">
+    <dgm:fillClrLst meth="repeat">
+      <a:schemeClr val="dk1">
+        <a:alpha val="90000"/>
+        <a:tint val="40000"/>
+      </a:schemeClr>
+    </dgm:fillClrLst>
+    <dgm:linClrLst meth="repeat">
+      <a:schemeClr val="dk1"/>
+    </dgm:linClrLst>
+    <dgm:effectClrLst/>
+    <dgm:txLinClrLst/>
+    <dgm:txFillClrLst meth="repeat">
+      <a:schemeClr val="dk1"/>
+    </dgm:txFillClrLst>
+    <dgm:txEffectClrLst/>
+  </dgm:styleLbl>
+  <dgm:styleLbl name="fgAcc3">
+    <dgm:fillClrLst meth="repeat">
+      <a:schemeClr val="dk1">
+        <a:alpha val="90000"/>
+        <a:tint val="40000"/>
+      </a:schemeClr>
+    </dgm:fillClrLst>
+    <dgm:linClrLst meth="repeat">
+      <a:schemeClr val="dk1"/>
+    </dgm:linClrLst>
+    <dgm:effectClrLst/>
+    <dgm:txLinClrLst/>
+    <dgm:txFillClrLst meth="repeat">
+      <a:schemeClr val="dk1"/>
+    </dgm:txFillClrLst>
+    <dgm:txEffectClrLst/>
+  </dgm:styleLbl>
+  <dgm:styleLbl name="fgAcc4">
+    <dgm:fillClrLst meth="repeat">
+      <a:schemeClr val="dk1">
+        <a:alpha val="90000"/>
+        <a:tint val="40000"/>
+      </a:schemeClr>
+    </dgm:fillClrLst>
+    <dgm:linClrLst meth="repeat">
+      <a:schemeClr val="dk1"/>
+    </dgm:linClrLst>
+    <dgm:effectClrLst/>
+    <dgm:txLinClrLst/>
+    <dgm:txFillClrLst meth="repeat">
+      <a:schemeClr val="dk1"/>
+    </dgm:txFillClrLst>
+    <dgm:txEffectClrLst/>
+  </dgm:styleLbl>
+  <dgm:styleLbl name="bgShp">
+    <dgm:fillClrLst meth="repeat">
+      <a:schemeClr val="dk1">
+        <a:tint val="40000"/>
+      </a:schemeClr>
+    </dgm:fillClrLst>
+    <dgm:linClrLst meth="repeat">
+      <a:schemeClr val="dk1"/>
+    </dgm:linClrLst>
+    <dgm:effectClrLst/>
+    <dgm:txLinClrLst/>
+    <dgm:txFillClrLst meth="repeat">
+      <a:schemeClr val="dk1"/>
+    </dgm:txFillClrLst>
+    <dgm:txEffectClrLst/>
+  </dgm:styleLbl>
+  <dgm:styleLbl name="dkBgShp">
+    <dgm:fillClrLst meth="repeat">
+      <a:schemeClr val="dk1">
+        <a:shade val="80000"/>
+      </a:schemeClr>
+    </dgm:fillClrLst>
+    <dgm:linClrLst meth="repeat">
+      <a:schemeClr val="dk1"/>
+    </dgm:linClrLst>
+    <dgm:effectClrLst/>
+    <dgm:txLinClrLst/>
+    <dgm:txFillClrLst meth="repeat">
+      <a:schemeClr val="lt1"/>
+    </dgm:txFillClrLst>
+    <dgm:txEffectClrLst/>
+  </dgm:styleLbl>
+  <dgm:styleLbl name="trBgShp">
+    <dgm:fillClrLst meth="repeat">
+      <a:schemeClr val="dk1">
+        <a:tint val="50000"/>
+        <a:alpha val="40000"/>
+      </a:schemeClr>
+    </dgm:fillClrLst>
+    <dgm:linClrLst meth="repeat">
+      <a:schemeClr val="dk1"/>
+    </dgm:linClrLst>
+    <dgm:effectClrLst/>
+    <dgm:txLinClrLst/>
+    <dgm:txFillClrLst meth="repeat">
+      <a:schemeClr val="lt1"/>
+    </dgm:txFillClrLst>
+    <dgm:txEffectClrLst/>
+  </dgm:styleLbl>
+  <dgm:styleLbl name="fgShp">
+    <dgm:fillClrLst meth="repeat">
+      <a:schemeClr val="dk1">
+        <a:tint val="60000"/>
+      </a:schemeClr>
+    </dgm:fillClrLst>
+    <dgm:linClrLst meth="repeat">
+      <a:schemeClr val="lt1"/>
+    </dgm:linClrLst>
+    <dgm:effectClrLst/>
+    <dgm:txLinClrLst/>
+    <dgm:txFillClrLst meth="repeat">
+      <a:schemeClr val="dk1"/>
+    </dgm:txFillClrLst>
+    <dgm:txEffectClrLst/>
+  </dgm:styleLbl>
+  <dgm:styleLbl name="revTx">
+    <dgm:fillClrLst meth="repeat">
+      <a:schemeClr val="lt1">
+        <a:alpha val="0"/>
+      </a:schemeClr>
+    </dgm:fillClrLst>
+    <dgm:linClrLst meth="repeat">
+      <a:schemeClr val="dk1">
+        <a:alpha val="0"/>
+      </a:schemeClr>
+    </dgm:linClrLst>
+    <dgm:effectClrLst/>
+    <dgm:txLinClrLst/>
+    <dgm:txFillClrLst meth="repeat">
+      <a:schemeClr val="tx1"/>
+    </dgm:txFillClrLst>
+    <dgm:txEffectClrLst/>
+  </dgm:styleLbl>
+</dgm:colorsDef>
+</file>
+
+<file path=ppt/diagrams/data1.xml><?xml version="1.0" encoding="utf-8"?>
+<dgm:dataModel xmlns:dgm="http://schemas.openxmlformats.org/drawingml/2006/diagram" xmlns:a="http://schemas.openxmlformats.org/drawingml/2006/main">
+  <dgm:ptLst>
+    <dgm:pt modelId="{399133A3-DAB0-4030-8DCF-4556DE1C9616}" type="doc">
+      <dgm:prSet loTypeId="urn:microsoft.com/office/officeart/2005/8/layout/hProcess9" loCatId="process" qsTypeId="urn:microsoft.com/office/officeart/2005/8/quickstyle/3d7" qsCatId="3D" csTypeId="urn:microsoft.com/office/officeart/2005/8/colors/accent0_1" csCatId="mainScheme" phldr="1"/>
+      <dgm:spPr/>
+    </dgm:pt>
+    <dgm:pt modelId="{3B5FBEAE-CBF2-4A76-8724-21DBFAB9DEE3}">
+      <dgm:prSet phldrT="[Text]"/>
+      <dgm:spPr/>
+      <dgm:t>
+        <a:bodyPr/>
+        <a:lstStyle/>
+        <a:p>
+          <a:r>
+            <a:rPr lang="en-NZ" dirty="0"/>
+            <a:t>Take code from your own Codebase</a:t>
+          </a:r>
+        </a:p>
+      </dgm:t>
+    </dgm:pt>
+    <dgm:pt modelId="{E28BE40A-E5AC-40FC-8748-D92E783DA6E0}" type="parTrans" cxnId="{73956E93-E43C-47D4-87AF-C7FB3BD865A8}">
+      <dgm:prSet/>
+      <dgm:spPr/>
+      <dgm:t>
+        <a:bodyPr/>
+        <a:lstStyle/>
+        <a:p>
+          <a:endParaRPr lang="en-NZ"/>
+        </a:p>
+      </dgm:t>
+    </dgm:pt>
+    <dgm:pt modelId="{A5248069-9A4A-47A7-80A0-F5D55FC83F2F}" type="sibTrans" cxnId="{73956E93-E43C-47D4-87AF-C7FB3BD865A8}">
+      <dgm:prSet/>
+      <dgm:spPr/>
+      <dgm:t>
+        <a:bodyPr/>
+        <a:lstStyle/>
+        <a:p>
+          <a:endParaRPr lang="en-NZ"/>
+        </a:p>
+      </dgm:t>
+    </dgm:pt>
+    <dgm:pt modelId="{9E2FADBF-3618-47B3-88DC-2750DC98CC73}">
+      <dgm:prSet phldrT="[Text]"/>
+      <dgm:spPr/>
+      <dgm:t>
+        <a:bodyPr/>
+        <a:lstStyle/>
+        <a:p>
+          <a:r>
+            <a:rPr lang="en-NZ" dirty="0"/>
+            <a:t>Templatize It</a:t>
+          </a:r>
+        </a:p>
+      </dgm:t>
+    </dgm:pt>
+    <dgm:pt modelId="{7DD37EA9-512C-48F4-929B-E22DD6EECDF3}" type="parTrans" cxnId="{9B7B7CDD-1FEC-487C-B641-8398F3BEE176}">
+      <dgm:prSet/>
+      <dgm:spPr/>
+      <dgm:t>
+        <a:bodyPr/>
+        <a:lstStyle/>
+        <a:p>
+          <a:endParaRPr lang="en-NZ"/>
+        </a:p>
+      </dgm:t>
+    </dgm:pt>
+    <dgm:pt modelId="{E4597862-144A-4E2F-961A-7374D568CE12}" type="sibTrans" cxnId="{9B7B7CDD-1FEC-487C-B641-8398F3BEE176}">
+      <dgm:prSet/>
+      <dgm:spPr/>
+      <dgm:t>
+        <a:bodyPr/>
+        <a:lstStyle/>
+        <a:p>
+          <a:endParaRPr lang="en-NZ"/>
+        </a:p>
+      </dgm:t>
+    </dgm:pt>
+    <dgm:pt modelId="{025EFFC7-3219-4EF6-947C-FD9506E5FB47}">
+      <dgm:prSet phldrT="[Text]"/>
+      <dgm:spPr/>
+      <dgm:t>
+        <a:bodyPr/>
+        <a:lstStyle/>
+        <a:p>
+          <a:r>
+            <a:rPr lang="en-NZ" dirty="0"/>
+            <a:t>Build a Robot that Writes your code</a:t>
+          </a:r>
+        </a:p>
+      </dgm:t>
+    </dgm:pt>
+    <dgm:pt modelId="{DE239302-B4DC-4C4C-8F34-D629E9C61BF1}" type="parTrans" cxnId="{90B42097-5870-410F-ACA9-7A112965242A}">
+      <dgm:prSet/>
+      <dgm:spPr/>
+      <dgm:t>
+        <a:bodyPr/>
+        <a:lstStyle/>
+        <a:p>
+          <a:endParaRPr lang="en-NZ"/>
+        </a:p>
+      </dgm:t>
+    </dgm:pt>
+    <dgm:pt modelId="{1DDF0864-5CA4-429A-B5FC-6DD5475075A8}" type="sibTrans" cxnId="{90B42097-5870-410F-ACA9-7A112965242A}">
+      <dgm:prSet/>
+      <dgm:spPr/>
+      <dgm:t>
+        <a:bodyPr/>
+        <a:lstStyle/>
+        <a:p>
+          <a:endParaRPr lang="en-NZ"/>
+        </a:p>
+      </dgm:t>
+    </dgm:pt>
+    <dgm:pt modelId="{771A7A7A-BC44-4942-8DD2-F0E762723216}">
+      <dgm:prSet phldrT="[Text]"/>
+      <dgm:spPr/>
+      <dgm:t>
+        <a:bodyPr/>
+        <a:lstStyle/>
+        <a:p>
+          <a:r>
+            <a:rPr lang="en-NZ" dirty="0"/>
+            <a:t>Install the Robot into your Codebase</a:t>
+          </a:r>
+        </a:p>
+      </dgm:t>
+    </dgm:pt>
+    <dgm:pt modelId="{0D23FC81-A89D-4917-9DAB-A6E589ECC94B}" type="parTrans" cxnId="{91B6632B-C10D-4196-8273-94380E91E6A2}">
+      <dgm:prSet/>
+      <dgm:spPr/>
+      <dgm:t>
+        <a:bodyPr/>
+        <a:lstStyle/>
+        <a:p>
+          <a:endParaRPr lang="en-NZ"/>
+        </a:p>
+      </dgm:t>
+    </dgm:pt>
+    <dgm:pt modelId="{32158D0B-197C-4207-9428-5B6E94714130}" type="sibTrans" cxnId="{91B6632B-C10D-4196-8273-94380E91E6A2}">
+      <dgm:prSet/>
+      <dgm:spPr/>
+      <dgm:t>
+        <a:bodyPr/>
+        <a:lstStyle/>
+        <a:p>
+          <a:endParaRPr lang="en-NZ"/>
+        </a:p>
+      </dgm:t>
+    </dgm:pt>
+    <dgm:pt modelId="{00BD5874-38DB-4A54-A582-A5E99177C86E}">
+      <dgm:prSet phldrT="[Text]"/>
+      <dgm:spPr/>
+      <dgm:t>
+        <a:bodyPr/>
+        <a:lstStyle/>
+        <a:p>
+          <a:r>
+            <a:rPr lang="en-NZ" dirty="0"/>
+            <a:t>Tell your Robot to do the Coding! </a:t>
+          </a:r>
+        </a:p>
+      </dgm:t>
+    </dgm:pt>
+    <dgm:pt modelId="{BFE905BA-BF16-4F20-BC1F-F3BC5A258ACE}" type="parTrans" cxnId="{7D48F44E-5BAE-4171-BAE2-7AC0F55C9CA8}">
+      <dgm:prSet/>
+      <dgm:spPr/>
+      <dgm:t>
+        <a:bodyPr/>
+        <a:lstStyle/>
+        <a:p>
+          <a:endParaRPr lang="en-NZ"/>
+        </a:p>
+      </dgm:t>
+    </dgm:pt>
+    <dgm:pt modelId="{AA5BA579-27CC-4429-872C-EBC1DF267A80}" type="sibTrans" cxnId="{7D48F44E-5BAE-4171-BAE2-7AC0F55C9CA8}">
+      <dgm:prSet/>
+      <dgm:spPr/>
+      <dgm:t>
+        <a:bodyPr/>
+        <a:lstStyle/>
+        <a:p>
+          <a:endParaRPr lang="en-NZ"/>
+        </a:p>
+      </dgm:t>
+    </dgm:pt>
+    <dgm:pt modelId="{BB41C7B1-4792-4335-9970-3B7D24C199F4}" type="pres">
+      <dgm:prSet presAssocID="{399133A3-DAB0-4030-8DCF-4556DE1C9616}" presName="CompostProcess" presStyleCnt="0">
+        <dgm:presLayoutVars>
+          <dgm:dir/>
+          <dgm:resizeHandles val="exact"/>
+        </dgm:presLayoutVars>
+      </dgm:prSet>
+      <dgm:spPr/>
+    </dgm:pt>
+    <dgm:pt modelId="{A6EDF51D-AF66-4DE7-954C-F2DAECA84D79}" type="pres">
+      <dgm:prSet presAssocID="{399133A3-DAB0-4030-8DCF-4556DE1C9616}" presName="arrow" presStyleLbl="bgShp" presStyleIdx="0" presStyleCnt="1" custScaleX="117647" custLinFactNeighborX="676" custLinFactNeighborY="-15209"/>
+      <dgm:spPr/>
+    </dgm:pt>
+    <dgm:pt modelId="{444F5D18-B64B-4880-BAD1-101A53A0A7A8}" type="pres">
+      <dgm:prSet presAssocID="{399133A3-DAB0-4030-8DCF-4556DE1C9616}" presName="linearProcess" presStyleCnt="0"/>
+      <dgm:spPr/>
+    </dgm:pt>
+    <dgm:pt modelId="{F8CEE6F7-64EA-484A-880A-682B1847BEC7}" type="pres">
+      <dgm:prSet presAssocID="{3B5FBEAE-CBF2-4A76-8724-21DBFAB9DEE3}" presName="textNode" presStyleLbl="node1" presStyleIdx="0" presStyleCnt="5">
+        <dgm:presLayoutVars>
+          <dgm:bulletEnabled val="1"/>
+        </dgm:presLayoutVars>
+      </dgm:prSet>
+      <dgm:spPr/>
+    </dgm:pt>
+    <dgm:pt modelId="{F36ACE2C-AEFA-4007-ABE5-BCB8932178C8}" type="pres">
+      <dgm:prSet presAssocID="{A5248069-9A4A-47A7-80A0-F5D55FC83F2F}" presName="sibTrans" presStyleCnt="0"/>
+      <dgm:spPr/>
+    </dgm:pt>
+    <dgm:pt modelId="{B58E5A79-3F1D-45CE-BEAD-3461BB8A8039}" type="pres">
+      <dgm:prSet presAssocID="{9E2FADBF-3618-47B3-88DC-2750DC98CC73}" presName="textNode" presStyleLbl="node1" presStyleIdx="1" presStyleCnt="5">
+        <dgm:presLayoutVars>
+          <dgm:bulletEnabled val="1"/>
+        </dgm:presLayoutVars>
+      </dgm:prSet>
+      <dgm:spPr/>
+    </dgm:pt>
+    <dgm:pt modelId="{DA0880E6-F958-4126-B9A1-B6EFB2E24D8C}" type="pres">
+      <dgm:prSet presAssocID="{E4597862-144A-4E2F-961A-7374D568CE12}" presName="sibTrans" presStyleCnt="0"/>
+      <dgm:spPr/>
+    </dgm:pt>
+    <dgm:pt modelId="{8C7EEF58-7B0F-4218-8C6D-6D8D2AA8B824}" type="pres">
+      <dgm:prSet presAssocID="{025EFFC7-3219-4EF6-947C-FD9506E5FB47}" presName="textNode" presStyleLbl="node1" presStyleIdx="2" presStyleCnt="5">
+        <dgm:presLayoutVars>
+          <dgm:bulletEnabled val="1"/>
+        </dgm:presLayoutVars>
+      </dgm:prSet>
+      <dgm:spPr/>
+    </dgm:pt>
+    <dgm:pt modelId="{AEF100AD-A226-4E70-B2C7-23622955B6B1}" type="pres">
+      <dgm:prSet presAssocID="{1DDF0864-5CA4-429A-B5FC-6DD5475075A8}" presName="sibTrans" presStyleCnt="0"/>
+      <dgm:spPr/>
+    </dgm:pt>
+    <dgm:pt modelId="{36C50AC2-9B01-4A20-A286-E405733D3B3D}" type="pres">
+      <dgm:prSet presAssocID="{771A7A7A-BC44-4942-8DD2-F0E762723216}" presName="textNode" presStyleLbl="node1" presStyleIdx="3" presStyleCnt="5">
+        <dgm:presLayoutVars>
+          <dgm:bulletEnabled val="1"/>
+        </dgm:presLayoutVars>
+      </dgm:prSet>
+      <dgm:spPr/>
+    </dgm:pt>
+    <dgm:pt modelId="{BC758D2B-5841-46CF-88A8-DE45CE26BAA4}" type="pres">
+      <dgm:prSet presAssocID="{32158D0B-197C-4207-9428-5B6E94714130}" presName="sibTrans" presStyleCnt="0"/>
+      <dgm:spPr/>
+    </dgm:pt>
+    <dgm:pt modelId="{8E8A3AAA-4BA1-43BA-8997-896F6F7BC1E5}" type="pres">
+      <dgm:prSet presAssocID="{00BD5874-38DB-4A54-A582-A5E99177C86E}" presName="textNode" presStyleLbl="node1" presStyleIdx="4" presStyleCnt="5">
+        <dgm:presLayoutVars>
+          <dgm:bulletEnabled val="1"/>
+        </dgm:presLayoutVars>
+      </dgm:prSet>
+      <dgm:spPr/>
+    </dgm:pt>
+  </dgm:ptLst>
+  <dgm:cxnLst>
+    <dgm:cxn modelId="{91B6632B-C10D-4196-8273-94380E91E6A2}" srcId="{399133A3-DAB0-4030-8DCF-4556DE1C9616}" destId="{771A7A7A-BC44-4942-8DD2-F0E762723216}" srcOrd="3" destOrd="0" parTransId="{0D23FC81-A89D-4917-9DAB-A6E589ECC94B}" sibTransId="{32158D0B-197C-4207-9428-5B6E94714130}"/>
+    <dgm:cxn modelId="{7D48F44E-5BAE-4171-BAE2-7AC0F55C9CA8}" srcId="{399133A3-DAB0-4030-8DCF-4556DE1C9616}" destId="{00BD5874-38DB-4A54-A582-A5E99177C86E}" srcOrd="4" destOrd="0" parTransId="{BFE905BA-BF16-4F20-BC1F-F3BC5A258ACE}" sibTransId="{AA5BA579-27CC-4429-872C-EBC1DF267A80}"/>
+    <dgm:cxn modelId="{6E2F2359-14C7-4A1C-B6BB-1EF5E31B3833}" type="presOf" srcId="{00BD5874-38DB-4A54-A582-A5E99177C86E}" destId="{8E8A3AAA-4BA1-43BA-8997-896F6F7BC1E5}" srcOrd="0" destOrd="0" presId="urn:microsoft.com/office/officeart/2005/8/layout/hProcess9"/>
+    <dgm:cxn modelId="{EB1B528D-66D7-41FA-B8E3-FB8940CEBEA0}" type="presOf" srcId="{9E2FADBF-3618-47B3-88DC-2750DC98CC73}" destId="{B58E5A79-3F1D-45CE-BEAD-3461BB8A8039}" srcOrd="0" destOrd="0" presId="urn:microsoft.com/office/officeart/2005/8/layout/hProcess9"/>
+    <dgm:cxn modelId="{73956E93-E43C-47D4-87AF-C7FB3BD865A8}" srcId="{399133A3-DAB0-4030-8DCF-4556DE1C9616}" destId="{3B5FBEAE-CBF2-4A76-8724-21DBFAB9DEE3}" srcOrd="0" destOrd="0" parTransId="{E28BE40A-E5AC-40FC-8748-D92E783DA6E0}" sibTransId="{A5248069-9A4A-47A7-80A0-F5D55FC83F2F}"/>
+    <dgm:cxn modelId="{17485B96-8CA7-43DA-AA6C-105165B0C2D5}" type="presOf" srcId="{3B5FBEAE-CBF2-4A76-8724-21DBFAB9DEE3}" destId="{F8CEE6F7-64EA-484A-880A-682B1847BEC7}" srcOrd="0" destOrd="0" presId="urn:microsoft.com/office/officeart/2005/8/layout/hProcess9"/>
+    <dgm:cxn modelId="{90B42097-5870-410F-ACA9-7A112965242A}" srcId="{399133A3-DAB0-4030-8DCF-4556DE1C9616}" destId="{025EFFC7-3219-4EF6-947C-FD9506E5FB47}" srcOrd="2" destOrd="0" parTransId="{DE239302-B4DC-4C4C-8F34-D629E9C61BF1}" sibTransId="{1DDF0864-5CA4-429A-B5FC-6DD5475075A8}"/>
+    <dgm:cxn modelId="{B8376397-C4FC-4E8C-9883-944D8F63228E}" type="presOf" srcId="{771A7A7A-BC44-4942-8DD2-F0E762723216}" destId="{36C50AC2-9B01-4A20-A286-E405733D3B3D}" srcOrd="0" destOrd="0" presId="urn:microsoft.com/office/officeart/2005/8/layout/hProcess9"/>
+    <dgm:cxn modelId="{DB98EB9F-5430-4E6D-A02D-08EC78E77BFE}" type="presOf" srcId="{025EFFC7-3219-4EF6-947C-FD9506E5FB47}" destId="{8C7EEF58-7B0F-4218-8C6D-6D8D2AA8B824}" srcOrd="0" destOrd="0" presId="urn:microsoft.com/office/officeart/2005/8/layout/hProcess9"/>
+    <dgm:cxn modelId="{9885F9BD-3E5F-4EF8-BA76-48FF204591B7}" type="presOf" srcId="{399133A3-DAB0-4030-8DCF-4556DE1C9616}" destId="{BB41C7B1-4792-4335-9970-3B7D24C199F4}" srcOrd="0" destOrd="0" presId="urn:microsoft.com/office/officeart/2005/8/layout/hProcess9"/>
+    <dgm:cxn modelId="{9B7B7CDD-1FEC-487C-B641-8398F3BEE176}" srcId="{399133A3-DAB0-4030-8DCF-4556DE1C9616}" destId="{9E2FADBF-3618-47B3-88DC-2750DC98CC73}" srcOrd="1" destOrd="0" parTransId="{7DD37EA9-512C-48F4-929B-E22DD6EECDF3}" sibTransId="{E4597862-144A-4E2F-961A-7374D568CE12}"/>
+    <dgm:cxn modelId="{79E843DF-F99F-4E03-8C0A-3705FD9AE706}" type="presParOf" srcId="{BB41C7B1-4792-4335-9970-3B7D24C199F4}" destId="{A6EDF51D-AF66-4DE7-954C-F2DAECA84D79}" srcOrd="0" destOrd="0" presId="urn:microsoft.com/office/officeart/2005/8/layout/hProcess9"/>
+    <dgm:cxn modelId="{BD389ED0-FA33-4178-8AB1-1312A03A503F}" type="presParOf" srcId="{BB41C7B1-4792-4335-9970-3B7D24C199F4}" destId="{444F5D18-B64B-4880-BAD1-101A53A0A7A8}" srcOrd="1" destOrd="0" presId="urn:microsoft.com/office/officeart/2005/8/layout/hProcess9"/>
+    <dgm:cxn modelId="{3465217B-757D-4BDF-B13A-415BF50DDDB5}" type="presParOf" srcId="{444F5D18-B64B-4880-BAD1-101A53A0A7A8}" destId="{F8CEE6F7-64EA-484A-880A-682B1847BEC7}" srcOrd="0" destOrd="0" presId="urn:microsoft.com/office/officeart/2005/8/layout/hProcess9"/>
+    <dgm:cxn modelId="{F124DC97-8BB7-4F1D-AAAA-8686EFADA5AB}" type="presParOf" srcId="{444F5D18-B64B-4880-BAD1-101A53A0A7A8}" destId="{F36ACE2C-AEFA-4007-ABE5-BCB8932178C8}" srcOrd="1" destOrd="0" presId="urn:microsoft.com/office/officeart/2005/8/layout/hProcess9"/>
+    <dgm:cxn modelId="{E6AE87EF-DDE6-481A-9A8C-C40BF43D5980}" type="presParOf" srcId="{444F5D18-B64B-4880-BAD1-101A53A0A7A8}" destId="{B58E5A79-3F1D-45CE-BEAD-3461BB8A8039}" srcOrd="2" destOrd="0" presId="urn:microsoft.com/office/officeart/2005/8/layout/hProcess9"/>
+    <dgm:cxn modelId="{5B8FFD3A-4CF3-46F0-B169-F3BDE7483280}" type="presParOf" srcId="{444F5D18-B64B-4880-BAD1-101A53A0A7A8}" destId="{DA0880E6-F958-4126-B9A1-B6EFB2E24D8C}" srcOrd="3" destOrd="0" presId="urn:microsoft.com/office/officeart/2005/8/layout/hProcess9"/>
+    <dgm:cxn modelId="{C97F0B87-D54D-4AF8-A70C-71925D8F972F}" type="presParOf" srcId="{444F5D18-B64B-4880-BAD1-101A53A0A7A8}" destId="{8C7EEF58-7B0F-4218-8C6D-6D8D2AA8B824}" srcOrd="4" destOrd="0" presId="urn:microsoft.com/office/officeart/2005/8/layout/hProcess9"/>
+    <dgm:cxn modelId="{AE7A6C9A-10B0-4947-86D6-DBF47A35E0AB}" type="presParOf" srcId="{444F5D18-B64B-4880-BAD1-101A53A0A7A8}" destId="{AEF100AD-A226-4E70-B2C7-23622955B6B1}" srcOrd="5" destOrd="0" presId="urn:microsoft.com/office/officeart/2005/8/layout/hProcess9"/>
+    <dgm:cxn modelId="{D48A1AD6-C26C-4975-BF4B-24781A7C9548}" type="presParOf" srcId="{444F5D18-B64B-4880-BAD1-101A53A0A7A8}" destId="{36C50AC2-9B01-4A20-A286-E405733D3B3D}" srcOrd="6" destOrd="0" presId="urn:microsoft.com/office/officeart/2005/8/layout/hProcess9"/>
+    <dgm:cxn modelId="{39F187A1-B519-4A80-8D69-6ABAD4E67A6E}" type="presParOf" srcId="{444F5D18-B64B-4880-BAD1-101A53A0A7A8}" destId="{BC758D2B-5841-46CF-88A8-DE45CE26BAA4}" srcOrd="7" destOrd="0" presId="urn:microsoft.com/office/officeart/2005/8/layout/hProcess9"/>
+    <dgm:cxn modelId="{DF88FBA5-FA9B-4241-B852-8A79BB19A31C}" type="presParOf" srcId="{444F5D18-B64B-4880-BAD1-101A53A0A7A8}" destId="{8E8A3AAA-4BA1-43BA-8997-896F6F7BC1E5}" srcOrd="8" destOrd="0" presId="urn:microsoft.com/office/officeart/2005/8/layout/hProcess9"/>
+  </dgm:cxnLst>
+  <dgm:bg/>
+  <dgm:whole/>
+  <dgm:extLst>
+    <a:ext uri="http://schemas.microsoft.com/office/drawing/2008/diagram">
+      <dsp:dataModelExt xmlns:dsp="http://schemas.microsoft.com/office/drawing/2008/diagram" relId="rId6" minVer="http://schemas.openxmlformats.org/drawingml/2006/diagram"/>
+    </a:ext>
+  </dgm:extLst>
+</dgm:dataModel>
+</file>
+
+<file path=ppt/diagrams/drawing1.xml><?xml version="1.0" encoding="utf-8"?>
+<dsp:drawing xmlns:dgm="http://schemas.openxmlformats.org/drawingml/2006/diagram" xmlns:dsp="http://schemas.microsoft.com/office/drawing/2008/diagram" xmlns:a="http://schemas.openxmlformats.org/drawingml/2006/main">
+  <dsp:spTree>
+    <dsp:nvGrpSpPr>
+      <dsp:cNvPr id="0" name=""/>
+      <dsp:cNvGrpSpPr/>
+    </dsp:nvGrpSpPr>
+    <dsp:grpSpPr/>
+    <dsp:sp modelId="{A6EDF51D-AF66-4DE7-954C-F2DAECA84D79}">
+      <dsp:nvSpPr>
+        <dsp:cNvPr id="0" name=""/>
+        <dsp:cNvSpPr/>
+      </dsp:nvSpPr>
+      <dsp:spPr>
+        <a:xfrm>
+          <a:off x="5" y="0"/>
+          <a:ext cx="11412740" cy="6599208"/>
+        </a:xfrm>
+        <a:prstGeom prst="rightArrow">
+          <a:avLst/>
+        </a:prstGeom>
+        <a:solidFill>
+          <a:schemeClr val="dk1">
+            <a:tint val="40000"/>
+            <a:hueOff val="0"/>
+            <a:satOff val="0"/>
+            <a:lumOff val="0"/>
+            <a:alphaOff val="0"/>
+          </a:schemeClr>
+        </a:solidFill>
+        <a:ln>
+          <a:noFill/>
+        </a:ln>
+        <a:effectLst/>
+        <a:sp3d z="-161800" extrusionH="600" contourW="3000">
+          <a:bevelT w="48600" h="18600" prst="relaxedInset"/>
+          <a:bevelB w="48600" h="8600" prst="relaxedInset"/>
+        </a:sp3d>
+      </dsp:spPr>
+      <dsp:style>
+        <a:lnRef idx="0">
+          <a:scrgbClr r="0" g="0" b="0"/>
+        </a:lnRef>
+        <a:fillRef idx="1">
+          <a:scrgbClr r="0" g="0" b="0"/>
+        </a:fillRef>
+        <a:effectRef idx="0">
+          <a:scrgbClr r="0" g="0" b="0"/>
+        </a:effectRef>
+        <a:fontRef idx="minor"/>
+      </dsp:style>
+    </dsp:sp>
+    <dsp:sp modelId="{F8CEE6F7-64EA-484A-880A-682B1847BEC7}">
+      <dsp:nvSpPr>
+        <dsp:cNvPr id="0" name=""/>
+        <dsp:cNvSpPr/>
+      </dsp:nvSpPr>
+      <dsp:spPr>
+        <a:xfrm>
+          <a:off x="5990" y="1979762"/>
+          <a:ext cx="2147970" cy="2639683"/>
+        </a:xfrm>
+        <a:prstGeom prst="roundRect">
+          <a:avLst/>
+        </a:prstGeom>
+        <a:solidFill>
+          <a:schemeClr val="lt1">
+            <a:hueOff val="0"/>
+            <a:satOff val="0"/>
+            <a:lumOff val="0"/>
+            <a:alphaOff val="0"/>
+          </a:schemeClr>
+        </a:solidFill>
+        <a:ln>
+          <a:noFill/>
+        </a:ln>
+        <a:effectLst/>
+        <a:sp3d extrusionH="50600" prstMaterial="metal">
+          <a:bevelT w="101600" h="80600" prst="relaxedInset"/>
+          <a:bevelB w="80600" h="80600" prst="relaxedInset"/>
+        </a:sp3d>
+      </dsp:spPr>
+      <dsp:style>
+        <a:lnRef idx="0">
+          <a:scrgbClr r="0" g="0" b="0"/>
+        </a:lnRef>
+        <a:fillRef idx="1">
+          <a:scrgbClr r="0" g="0" b="0"/>
+        </a:fillRef>
+        <a:effectRef idx="1">
+          <a:scrgbClr r="0" g="0" b="0"/>
+        </a:effectRef>
+        <a:fontRef idx="minor">
+          <a:schemeClr val="dk1"/>
+        </a:fontRef>
+      </dsp:style>
+      <dsp:txBody>
+        <a:bodyPr spcFirstLastPara="0" vert="horz" wrap="square" lIns="114300" tIns="114300" rIns="114300" bIns="114300" numCol="1" spcCol="1270" anchor="ctr" anchorCtr="0">
+          <a:noAutofit/>
+        </a:bodyPr>
+        <a:lstStyle/>
+        <a:p>
+          <a:pPr marL="0" lvl="0" indent="0" algn="ctr" defTabSz="1333500">
+            <a:lnSpc>
+              <a:spcPct val="90000"/>
+            </a:lnSpc>
+            <a:spcBef>
+              <a:spcPct val="0"/>
+            </a:spcBef>
+            <a:spcAft>
+              <a:spcPct val="35000"/>
+            </a:spcAft>
+            <a:buNone/>
+          </a:pPr>
+          <a:r>
+            <a:rPr lang="en-NZ" sz="3000" kern="1200" dirty="0"/>
+            <a:t>Take code from your own Codebase</a:t>
+          </a:r>
+        </a:p>
+      </dsp:txBody>
+      <dsp:txXfrm>
+        <a:off x="110845" y="2084617"/>
+        <a:ext cx="1938260" cy="2429973"/>
+      </dsp:txXfrm>
+    </dsp:sp>
+    <dsp:sp modelId="{B58E5A79-3F1D-45CE-BEAD-3461BB8A8039}">
+      <dsp:nvSpPr>
+        <dsp:cNvPr id="0" name=""/>
+        <dsp:cNvSpPr/>
+      </dsp:nvSpPr>
+      <dsp:spPr>
+        <a:xfrm>
+          <a:off x="2319189" y="1979762"/>
+          <a:ext cx="2147970" cy="2639683"/>
+        </a:xfrm>
+        <a:prstGeom prst="roundRect">
+          <a:avLst/>
+        </a:prstGeom>
+        <a:solidFill>
+          <a:schemeClr val="lt1">
+            <a:hueOff val="0"/>
+            <a:satOff val="0"/>
+            <a:lumOff val="0"/>
+            <a:alphaOff val="0"/>
+          </a:schemeClr>
+        </a:solidFill>
+        <a:ln>
+          <a:noFill/>
+        </a:ln>
+        <a:effectLst/>
+        <a:sp3d extrusionH="50600" prstMaterial="metal">
+          <a:bevelT w="101600" h="80600" prst="relaxedInset"/>
+          <a:bevelB w="80600" h="80600" prst="relaxedInset"/>
+        </a:sp3d>
+      </dsp:spPr>
+      <dsp:style>
+        <a:lnRef idx="0">
+          <a:scrgbClr r="0" g="0" b="0"/>
+        </a:lnRef>
+        <a:fillRef idx="1">
+          <a:scrgbClr r="0" g="0" b="0"/>
+        </a:fillRef>
+        <a:effectRef idx="1">
+          <a:scrgbClr r="0" g="0" b="0"/>
+        </a:effectRef>
+        <a:fontRef idx="minor">
+          <a:schemeClr val="dk1"/>
+        </a:fontRef>
+      </dsp:style>
+      <dsp:txBody>
+        <a:bodyPr spcFirstLastPara="0" vert="horz" wrap="square" lIns="114300" tIns="114300" rIns="114300" bIns="114300" numCol="1" spcCol="1270" anchor="ctr" anchorCtr="0">
+          <a:noAutofit/>
+        </a:bodyPr>
+        <a:lstStyle/>
+        <a:p>
+          <a:pPr marL="0" lvl="0" indent="0" algn="ctr" defTabSz="1333500">
+            <a:lnSpc>
+              <a:spcPct val="90000"/>
+            </a:lnSpc>
+            <a:spcBef>
+              <a:spcPct val="0"/>
+            </a:spcBef>
+            <a:spcAft>
+              <a:spcPct val="35000"/>
+            </a:spcAft>
+            <a:buNone/>
+          </a:pPr>
+          <a:r>
+            <a:rPr lang="en-NZ" sz="3000" kern="1200" dirty="0"/>
+            <a:t>Templatize It</a:t>
+          </a:r>
+        </a:p>
+      </dsp:txBody>
+      <dsp:txXfrm>
+        <a:off x="2424044" y="2084617"/>
+        <a:ext cx="1938260" cy="2429973"/>
+      </dsp:txXfrm>
+    </dsp:sp>
+    <dsp:sp modelId="{8C7EEF58-7B0F-4218-8C6D-6D8D2AA8B824}">
+      <dsp:nvSpPr>
+        <dsp:cNvPr id="0" name=""/>
+        <dsp:cNvSpPr/>
+      </dsp:nvSpPr>
+      <dsp:spPr>
+        <a:xfrm>
+          <a:off x="4632387" y="1979762"/>
+          <a:ext cx="2147970" cy="2639683"/>
+        </a:xfrm>
+        <a:prstGeom prst="roundRect">
+          <a:avLst/>
+        </a:prstGeom>
+        <a:solidFill>
+          <a:schemeClr val="lt1">
+            <a:hueOff val="0"/>
+            <a:satOff val="0"/>
+            <a:lumOff val="0"/>
+            <a:alphaOff val="0"/>
+          </a:schemeClr>
+        </a:solidFill>
+        <a:ln>
+          <a:noFill/>
+        </a:ln>
+        <a:effectLst/>
+        <a:sp3d extrusionH="50600" prstMaterial="metal">
+          <a:bevelT w="101600" h="80600" prst="relaxedInset"/>
+          <a:bevelB w="80600" h="80600" prst="relaxedInset"/>
+        </a:sp3d>
+      </dsp:spPr>
+      <dsp:style>
+        <a:lnRef idx="0">
+          <a:scrgbClr r="0" g="0" b="0"/>
+        </a:lnRef>
+        <a:fillRef idx="1">
+          <a:scrgbClr r="0" g="0" b="0"/>
+        </a:fillRef>
+        <a:effectRef idx="1">
+          <a:scrgbClr r="0" g="0" b="0"/>
+        </a:effectRef>
+        <a:fontRef idx="minor">
+          <a:schemeClr val="dk1"/>
+        </a:fontRef>
+      </dsp:style>
+      <dsp:txBody>
+        <a:bodyPr spcFirstLastPara="0" vert="horz" wrap="square" lIns="114300" tIns="114300" rIns="114300" bIns="114300" numCol="1" spcCol="1270" anchor="ctr" anchorCtr="0">
+          <a:noAutofit/>
+        </a:bodyPr>
+        <a:lstStyle/>
+        <a:p>
+          <a:pPr marL="0" lvl="0" indent="0" algn="ctr" defTabSz="1333500">
+            <a:lnSpc>
+              <a:spcPct val="90000"/>
+            </a:lnSpc>
+            <a:spcBef>
+              <a:spcPct val="0"/>
+            </a:spcBef>
+            <a:spcAft>
+              <a:spcPct val="35000"/>
+            </a:spcAft>
+            <a:buNone/>
+          </a:pPr>
+          <a:r>
+            <a:rPr lang="en-NZ" sz="3000" kern="1200" dirty="0"/>
+            <a:t>Build a Robot that Writes your code</a:t>
+          </a:r>
+        </a:p>
+      </dsp:txBody>
+      <dsp:txXfrm>
+        <a:off x="4737242" y="2084617"/>
+        <a:ext cx="1938260" cy="2429973"/>
+      </dsp:txXfrm>
+    </dsp:sp>
+    <dsp:sp modelId="{36C50AC2-9B01-4A20-A286-E405733D3B3D}">
+      <dsp:nvSpPr>
+        <dsp:cNvPr id="0" name=""/>
+        <dsp:cNvSpPr/>
+      </dsp:nvSpPr>
+      <dsp:spPr>
+        <a:xfrm>
+          <a:off x="6945586" y="1979762"/>
+          <a:ext cx="2147970" cy="2639683"/>
+        </a:xfrm>
+        <a:prstGeom prst="roundRect">
+          <a:avLst/>
+        </a:prstGeom>
+        <a:solidFill>
+          <a:schemeClr val="lt1">
+            <a:hueOff val="0"/>
+            <a:satOff val="0"/>
+            <a:lumOff val="0"/>
+            <a:alphaOff val="0"/>
+          </a:schemeClr>
+        </a:solidFill>
+        <a:ln>
+          <a:noFill/>
+        </a:ln>
+        <a:effectLst/>
+        <a:sp3d extrusionH="50600" prstMaterial="metal">
+          <a:bevelT w="101600" h="80600" prst="relaxedInset"/>
+          <a:bevelB w="80600" h="80600" prst="relaxedInset"/>
+        </a:sp3d>
+      </dsp:spPr>
+      <dsp:style>
+        <a:lnRef idx="0">
+          <a:scrgbClr r="0" g="0" b="0"/>
+        </a:lnRef>
+        <a:fillRef idx="1">
+          <a:scrgbClr r="0" g="0" b="0"/>
+        </a:fillRef>
+        <a:effectRef idx="1">
+          <a:scrgbClr r="0" g="0" b="0"/>
+        </a:effectRef>
+        <a:fontRef idx="minor">
+          <a:schemeClr val="dk1"/>
+        </a:fontRef>
+      </dsp:style>
+      <dsp:txBody>
+        <a:bodyPr spcFirstLastPara="0" vert="horz" wrap="square" lIns="114300" tIns="114300" rIns="114300" bIns="114300" numCol="1" spcCol="1270" anchor="ctr" anchorCtr="0">
+          <a:noAutofit/>
+        </a:bodyPr>
+        <a:lstStyle/>
+        <a:p>
+          <a:pPr marL="0" lvl="0" indent="0" algn="ctr" defTabSz="1333500">
+            <a:lnSpc>
+              <a:spcPct val="90000"/>
+            </a:lnSpc>
+            <a:spcBef>
+              <a:spcPct val="0"/>
+            </a:spcBef>
+            <a:spcAft>
+              <a:spcPct val="35000"/>
+            </a:spcAft>
+            <a:buNone/>
+          </a:pPr>
+          <a:r>
+            <a:rPr lang="en-NZ" sz="3000" kern="1200" dirty="0"/>
+            <a:t>Install the Robot into your Codebase</a:t>
+          </a:r>
+        </a:p>
+      </dsp:txBody>
+      <dsp:txXfrm>
+        <a:off x="7050441" y="2084617"/>
+        <a:ext cx="1938260" cy="2429973"/>
+      </dsp:txXfrm>
+    </dsp:sp>
+    <dsp:sp modelId="{8E8A3AAA-4BA1-43BA-8997-896F6F7BC1E5}">
+      <dsp:nvSpPr>
+        <dsp:cNvPr id="0" name=""/>
+        <dsp:cNvSpPr/>
+      </dsp:nvSpPr>
+      <dsp:spPr>
+        <a:xfrm>
+          <a:off x="9258785" y="1979762"/>
+          <a:ext cx="2147970" cy="2639683"/>
+        </a:xfrm>
+        <a:prstGeom prst="roundRect">
+          <a:avLst/>
+        </a:prstGeom>
+        <a:solidFill>
+          <a:schemeClr val="lt1">
+            <a:hueOff val="0"/>
+            <a:satOff val="0"/>
+            <a:lumOff val="0"/>
+            <a:alphaOff val="0"/>
+          </a:schemeClr>
+        </a:solidFill>
+        <a:ln>
+          <a:noFill/>
+        </a:ln>
+        <a:effectLst/>
+        <a:sp3d extrusionH="50600" prstMaterial="metal">
+          <a:bevelT w="101600" h="80600" prst="relaxedInset"/>
+          <a:bevelB w="80600" h="80600" prst="relaxedInset"/>
+        </a:sp3d>
+      </dsp:spPr>
+      <dsp:style>
+        <a:lnRef idx="0">
+          <a:scrgbClr r="0" g="0" b="0"/>
+        </a:lnRef>
+        <a:fillRef idx="1">
+          <a:scrgbClr r="0" g="0" b="0"/>
+        </a:fillRef>
+        <a:effectRef idx="1">
+          <a:scrgbClr r="0" g="0" b="0"/>
+        </a:effectRef>
+        <a:fontRef idx="minor">
+          <a:schemeClr val="dk1"/>
+        </a:fontRef>
+      </dsp:style>
+      <dsp:txBody>
+        <a:bodyPr spcFirstLastPara="0" vert="horz" wrap="square" lIns="114300" tIns="114300" rIns="114300" bIns="114300" numCol="1" spcCol="1270" anchor="ctr" anchorCtr="0">
+          <a:noAutofit/>
+        </a:bodyPr>
+        <a:lstStyle/>
+        <a:p>
+          <a:pPr marL="0" lvl="0" indent="0" algn="ctr" defTabSz="1333500">
+            <a:lnSpc>
+              <a:spcPct val="90000"/>
+            </a:lnSpc>
+            <a:spcBef>
+              <a:spcPct val="0"/>
+            </a:spcBef>
+            <a:spcAft>
+              <a:spcPct val="35000"/>
+            </a:spcAft>
+            <a:buNone/>
+          </a:pPr>
+          <a:r>
+            <a:rPr lang="en-NZ" sz="3000" kern="1200" dirty="0"/>
+            <a:t>Tell your Robot to do the Coding! </a:t>
+          </a:r>
+        </a:p>
+      </dsp:txBody>
+      <dsp:txXfrm>
+        <a:off x="9363640" y="2084617"/>
+        <a:ext cx="1938260" cy="2429973"/>
+      </dsp:txXfrm>
+    </dsp:sp>
+  </dsp:spTree>
+</dsp:drawing>
+</file>
+
+<file path=ppt/diagrams/layout1.xml><?xml version="1.0" encoding="utf-8"?>
+<dgm:layoutDef xmlns:dgm="http://schemas.openxmlformats.org/drawingml/2006/diagram" xmlns:a="http://schemas.openxmlformats.org/drawingml/2006/main" uniqueId="urn:microsoft.com/office/officeart/2005/8/layout/hProcess9">
+  <dgm:title val=""/>
+  <dgm:desc val=""/>
+  <dgm:catLst>
+    <dgm:cat type="process" pri="5000"/>
+    <dgm:cat type="convert" pri="13000"/>
+  </dgm:catLst>
+  <dgm:sampData useDef="1">
+    <dgm:dataModel>
+      <dgm:ptLst/>
+      <dgm:bg/>
+      <dgm:whole/>
+    </dgm:dataModel>
+  </dgm:sampData>
+  <dgm:styleData>
+    <dgm:dataModel>
+      <dgm:ptLst>
+        <dgm:pt modelId="0" type="doc"/>
+        <dgm:pt modelId="1"/>
+        <dgm:pt modelId="2"/>
+      </dgm:ptLst>
+      <dgm:cxnLst>
+        <dgm:cxn modelId="3" srcId="0" destId="1" srcOrd="0" destOrd="0"/>
+        <dgm:cxn modelId="4" srcId="0" destId="2" srcOrd="1" destOrd="0"/>
+      </dgm:cxnLst>
+      <dgm:bg/>
+      <dgm:whole/>
+    </dgm:dataModel>
+  </dgm:styleData>
+  <dgm:clrData>
+    <dgm:dataModel>
+      <dgm:ptLst>
+        <dgm:pt modelId="0" type="doc"/>
+        <dgm:pt modelId="1"/>
+        <dgm:pt modelId="2"/>
+        <dgm:pt modelId="3"/>
+        <dgm:pt modelId="4"/>
+      </dgm:ptLst>
+      <dgm:cxnLst>
+        <dgm:cxn modelId="5" srcId="0" destId="1" srcOrd="0" destOrd="0"/>
+        <dgm:cxn modelId="6" srcId="0" destId="2" srcOrd="1" destOrd="0"/>
+        <dgm:cxn modelId="7" srcId="0" destId="3" srcOrd="2" destOrd="0"/>
+        <dgm:cxn modelId="8" srcId="0" destId="4" srcOrd="3" destOrd="0"/>
+      </dgm:cxnLst>
+      <dgm:bg/>
+      <dgm:whole/>
+    </dgm:dataModel>
+  </dgm:clrData>
+  <dgm:layoutNode name="CompostProcess">
+    <dgm:varLst>
+      <dgm:dir/>
+      <dgm:resizeHandles val="exact"/>
+    </dgm:varLst>
+    <dgm:alg type="composite">
+      <dgm:param type="horzAlign" val="ctr"/>
+      <dgm:param type="vertAlign" val="mid"/>
+    </dgm:alg>
+    <dgm:shape xmlns:r="http://schemas.openxmlformats.org/officeDocument/2006/relationships" r:blip="">
+      <dgm:adjLst/>
+    </dgm:shape>
+    <dgm:presOf/>
+    <dgm:constrLst>
+      <dgm:constr type="w" for="ch" forName="arrow" refType="w" fact="0.85"/>
+      <dgm:constr type="h" for="ch" forName="arrow" refType="h"/>
+      <dgm:constr type="ctrX" for="ch" forName="arrow" refType="w" fact="0.5"/>
+      <dgm:constr type="ctrY" for="ch" forName="arrow" refType="h" fact="0.5"/>
+      <dgm:constr type="w" for="ch" forName="linearProcess" refType="w"/>
+      <dgm:constr type="h" for="ch" forName="linearProcess" refType="h" fact="0.4"/>
+      <dgm:constr type="ctrX" for="ch" forName="linearProcess" refType="w" fact="0.5"/>
+      <dgm:constr type="ctrY" for="ch" forName="linearProcess" refType="h" fact="0.5"/>
+    </dgm:constrLst>
+    <dgm:ruleLst/>
+    <dgm:layoutNode name="arrow" styleLbl="bgShp">
+      <dgm:alg type="sp"/>
+      <dgm:choose name="Name0">
+        <dgm:if name="Name1" func="var" arg="dir" op="equ" val="norm">
+          <dgm:shape xmlns:r="http://schemas.openxmlformats.org/officeDocument/2006/relationships" type="rightArrow" r:blip="">
+            <dgm:adjLst/>
+          </dgm:shape>
+        </dgm:if>
+        <dgm:else name="Name2">
+          <dgm:shape xmlns:r="http://schemas.openxmlformats.org/officeDocument/2006/relationships" type="leftArrow" r:blip="">
+            <dgm:adjLst/>
+          </dgm:shape>
+        </dgm:else>
+      </dgm:choose>
+      <dgm:presOf/>
+      <dgm:constrLst/>
+      <dgm:ruleLst/>
+    </dgm:layoutNode>
+    <dgm:layoutNode name="linearProcess">
+      <dgm:choose name="Name3">
+        <dgm:if name="Name4" func="var" arg="dir" op="equ" val="norm">
+          <dgm:alg type="lin"/>
+        </dgm:if>
+        <dgm:else name="Name5">
+          <dgm:alg type="lin">
+            <dgm:param type="linDir" val="fromR"/>
+          </dgm:alg>
+        </dgm:else>
+      </dgm:choose>
+      <dgm:shape xmlns:r="http://schemas.openxmlformats.org/officeDocument/2006/relationships" r:blip="">
+        <dgm:adjLst/>
+      </dgm:shape>
+      <dgm:presOf/>
+      <dgm:constrLst>
+        <dgm:constr type="userA" for="ch" ptType="node" refType="w"/>
+        <dgm:constr type="h" for="ch" ptType="node" refType="h"/>
+        <dgm:constr type="w" for="ch" ptType="node" op="equ"/>
+        <dgm:constr type="w" for="ch" forName="sibTrans" refType="w" fact="0.05"/>
+        <dgm:constr type="primFontSz" for="ch" ptType="node" op="equ" val="65"/>
+      </dgm:constrLst>
+      <dgm:ruleLst/>
+      <dgm:forEach name="Name6" axis="ch" ptType="node">
+        <dgm:layoutNode name="textNode" styleLbl="node1">
+          <dgm:varLst>
+            <dgm:bulletEnabled val="1"/>
+          </dgm:varLst>
+          <dgm:alg type="tx"/>
+          <dgm:shape xmlns:r="http://schemas.openxmlformats.org/officeDocument/2006/relationships" type="roundRect" r:blip="">
+            <dgm:adjLst/>
+          </dgm:shape>
+          <dgm:presOf axis="desOrSelf" ptType="node"/>
+          <dgm:constrLst>
+            <dgm:constr type="userA"/>
+            <dgm:constr type="w" refType="userA" fact="0.3"/>
+            <dgm:constr type="tMarg" refType="primFontSz" fact="0.3"/>
+            <dgm:constr type="bMarg" refType="primFontSz" fact="0.3"/>
+            <dgm:constr type="lMarg" refType="primFontSz" fact="0.3"/>
+            <dgm:constr type="rMarg" refType="primFontSz" fact="0.3"/>
+          </dgm:constrLst>
+          <dgm:ruleLst>
+            <dgm:rule type="w" val="NaN" fact="1" max="NaN"/>
+            <dgm:rule type="primFontSz" val="5" fact="NaN" max="NaN"/>
+          </dgm:ruleLst>
+        </dgm:layoutNode>
+        <dgm:forEach name="Name7" axis="followSib" ptType="sibTrans" cnt="1">
+          <dgm:layoutNode name="sibTrans">
+            <dgm:alg type="sp"/>
+            <dgm:shape xmlns:r="http://schemas.openxmlformats.org/officeDocument/2006/relationships" r:blip="">
+              <dgm:adjLst/>
+            </dgm:shape>
+            <dgm:presOf/>
+            <dgm:constrLst/>
+            <dgm:ruleLst/>
+          </dgm:layoutNode>
+        </dgm:forEach>
+      </dgm:forEach>
+    </dgm:layoutNode>
+  </dgm:layoutNode>
+</dgm:layoutDef>
+</file>
+
+<file path=ppt/diagrams/quickStyle1.xml><?xml version="1.0" encoding="utf-8"?>
+<dgm:styleDef xmlns:dgm="http://schemas.openxmlformats.org/drawingml/2006/diagram" xmlns:a="http://schemas.openxmlformats.org/drawingml/2006/main" uniqueId="urn:microsoft.com/office/officeart/2005/8/quickstyle/3d7">
+  <dgm:title val=""/>
+  <dgm:desc val=""/>
+  <dgm:catLst>
+    <dgm:cat type="3D" pri="11700"/>
+  </dgm:catLst>
+  <dgm:scene3d>
+    <a:camera prst="perspectiveLeft" zoom="91000"/>
+    <a:lightRig rig="threePt" dir="t">
+      <a:rot lat="0" lon="0" rev="20640000"/>
+    </a:lightRig>
+  </dgm:scene3d>
+  <dgm:styleLbl name="node0">
+    <dgm:scene3d>
+      <a:camera prst="orthographicFront"/>
+      <a:lightRig rig="threePt" dir="t"/>
+    </dgm:scene3d>
+    <dgm:sp3d extrusionH="50600" prstMaterial="plastic">
+      <a:bevelT w="101600" h="80600" prst="relaxedInset"/>
+      <a:bevelB w="80600" h="80600" prst="relaxedInset"/>
+    </dgm:sp3d>
+    <dgm:txPr/>
+    <dgm:style>
+      <a:lnRef idx="0">
+        <a:scrgbClr r="0" g="0" b="0"/>
+      </a:lnRef>
+      <a:fillRef idx="1">
+        <a:scrgbClr r="0" g="0" b="0"/>
+      </a:fillRef>
+      <a:effectRef idx="1">
+        <a:scrgbClr r="0" g="0" b="0"/>
+      </a:effectRef>
+      <a:fontRef idx="minor">
+        <a:schemeClr val="dk1"/>
+      </a:fontRef>
+    </dgm:style>
+  </dgm:styleLbl>
+  <dgm:styleLbl name="lnNode1">
+    <dgm:scene3d>
+      <a:camera prst="orthographicFront"/>
+      <a:lightRig rig="threePt" dir="t"/>
+    </dgm:scene3d>
+    <dgm:sp3d extrusionH="50600" prstMaterial="plastic">
+      <a:bevelT w="101600" h="80600" prst="relaxedInset"/>
+      <a:bevelB w="80600" h="80600" prst="relaxedInset"/>
+    </dgm:sp3d>
+    <dgm:txPr/>
+    <dgm:style>
+      <a:lnRef idx="0">
+        <a:scrgbClr r="0" g="0" b="0"/>
+      </a:lnRef>
+      <a:fillRef idx="1">
+        <a:scrgbClr r="0" g="0" b="0"/>
+      </a:fillRef>
+      <a:effectRef idx="1">
+        <a:scrgbClr r="0" g="0" b="0"/>
+      </a:effectRef>
+      <a:fontRef idx="minor">
+        <a:schemeClr val="dk1"/>
+      </a:fontRef>
+    </dgm:style>
+  </dgm:styleLbl>
+  <dgm:styleLbl name="vennNode1">
+    <dgm:scene3d>
+      <a:camera prst="orthographicFront"/>
+      <a:lightRig rig="threePt" dir="t"/>
+    </dgm:scene3d>
+    <dgm:sp3d extrusionH="50600" prstMaterial="clear">
+      <a:bevelT w="101600" h="80600" prst="relaxedInset"/>
+      <a:bevelB w="80600" h="80600" prst="relaxedInset"/>
+    </dgm:sp3d>
+    <dgm:txPr/>
+    <dgm:style>
+      <a:lnRef idx="0">
+        <a:scrgbClr r="0" g="0" b="0"/>
+      </a:lnRef>
+      <a:fillRef idx="1">
+        <a:scrgbClr r="0" g="0" b="0"/>
+      </a:fillRef>
+      <a:effectRef idx="0">
+        <a:scrgbClr r="0" g="0" b="0"/>
+      </a:effectRef>
+      <a:fontRef idx="minor">
+        <a:schemeClr val="tx1"/>
+      </a:fontRef>
+    </dgm:style>
+  </dgm:styleLbl>
+  <dgm:styleLbl name="alignNode1">
+    <dgm:scene3d>
+      <a:camera prst="orthographicFront"/>
+      <a:lightRig rig="threePt" dir="t"/>
+    </dgm:scene3d>
+    <dgm:sp3d extrusionH="50600" prstMaterial="metal">
+      <a:bevelT w="101600" h="80600" prst="relaxedInset"/>
+      <a:bevelB w="80600" h="80600" prst="relaxedInset"/>
+    </dgm:sp3d>
+    <dgm:txPr/>
+    <dgm:style>
+      <a:lnRef idx="1">
+        <a:scrgbClr r="0" g="0" b="0"/>
+      </a:lnRef>
+      <a:fillRef idx="1">
+        <a:scrgbClr r="0" g="0" b="0"/>
+      </a:fillRef>
+      <a:effectRef idx="1">
+        <a:scrgbClr r="0" g="0" b="0"/>
+      </a:effectRef>
+      <a:fontRef idx="minor">
+        <a:schemeClr val="dk1"/>
+      </a:fontRef>
+    </dgm:style>
+  </dgm:styleLbl>
+  <dgm:styleLbl name="node1">
+    <dgm:scene3d>
+      <a:camera prst="orthographicFront"/>
+      <a:lightRig rig="threePt" dir="t"/>
+    </dgm:scene3d>
+    <dgm:sp3d extrusionH="50600" prstMaterial="metal">
+      <a:bevelT w="101600" h="80600" prst="relaxedInset"/>
+      <a:bevelB w="80600" h="80600" prst="relaxedInset"/>
+    </dgm:sp3d>
+    <dgm:txPr/>
+    <dgm:style>
+      <a:lnRef idx="0">
+        <a:scrgbClr r="0" g="0" b="0"/>
+      </a:lnRef>
+      <a:fillRef idx="1">
+        <a:scrgbClr r="0" g="0" b="0"/>
+      </a:fillRef>
+      <a:effectRef idx="1">
+        <a:scrgbClr r="0" g="0" b="0"/>
+      </a:effectRef>
+      <a:fontRef idx="minor">
+        <a:schemeClr val="dk1"/>
+      </a:fontRef>
+    </dgm:style>
+  </dgm:styleLbl>
+  <dgm:styleLbl name="node2">
+    <dgm:scene3d>
+      <a:camera prst="orthographicFront"/>
+      <a:lightRig rig="threePt" dir="t"/>
+    </dgm:scene3d>
+    <dgm:sp3d extrusionH="50600" prstMaterial="plastic">
+      <a:bevelT w="101600" h="80600" prst="relaxedInset"/>
+      <a:bevelB w="80600" h="80600" prst="relaxedInset"/>
+    </dgm:sp3d>
+    <dgm:txPr/>
+    <dgm:style>
+      <a:lnRef idx="0">
+        <a:scrgbClr r="0" g="0" b="0"/>
+      </a:lnRef>
+      <a:fillRef idx="1">
+        <a:scrgbClr r="0" g="0" b="0"/>
+      </a:fillRef>
+      <a:effectRef idx="1">
+        <a:scrgbClr r="0" g="0" b="0"/>
+      </a:effectRef>
+      <a:fontRef idx="minor">
+        <a:schemeClr val="dk1"/>
+      </a:fontRef>
+    </dgm:style>
+  </dgm:styleLbl>
+  <dgm:styleLbl name="node3">
+    <dgm:scene3d>
+      <a:camera prst="orthographicFront"/>
+      <a:lightRig rig="threePt" dir="t"/>
+    </dgm:scene3d>
+    <dgm:sp3d extrusionH="50600" prstMaterial="plastic">
+      <a:bevelT w="101600" h="80600" prst="relaxedInset"/>
+      <a:bevelB w="80600" h="80600" prst="relaxedInset"/>
+    </dgm:sp3d>
+    <dgm:txPr/>
+    <dgm:style>
+      <a:lnRef idx="0">
+        <a:scrgbClr r="0" g="0" b="0"/>
+      </a:lnRef>
+      <a:fillRef idx="1">
+        <a:scrgbClr r="0" g="0" b="0"/>
+      </a:fillRef>
+      <a:effectRef idx="1">
+        <a:scrgbClr r="0" g="0" b="0"/>
+      </a:effectRef>
+      <a:fontRef idx="minor">
+        <a:schemeClr val="dk1"/>
+      </a:fontRef>
+    </dgm:style>
+  </dgm:styleLbl>
+  <dgm:styleLbl name="node4">
+    <dgm:scene3d>
+      <a:camera prst="orthographicFront"/>
+      <a:lightRig rig="threePt" dir="t"/>
+    </dgm:scene3d>
+    <dgm:sp3d extrusionH="50600" prstMaterial="plastic">
+      <a:bevelT w="101600" h="80600" prst="relaxedInset"/>
+      <a:bevelB w="80600" h="80600" prst="relaxedInset"/>
+    </dgm:sp3d>
+    <dgm:txPr/>
+    <dgm:style>
+      <a:lnRef idx="0">
+        <a:scrgbClr r="0" g="0" b="0"/>
+      </a:lnRef>
+      <a:fillRef idx="1">
+        <a:scrgbClr r="0" g="0" b="0"/>
+      </a:fillRef>
+      <a:effectRef idx="1">
+        <a:scrgbClr r="0" g="0" b="0"/>
+      </a:effectRef>
+      <a:fontRef idx="minor">
+        <a:schemeClr val="dk1"/>
+      </a:fontRef>
+    </dgm:style>
+  </dgm:styleLbl>
+  <dgm:styleLbl name="fgImgPlace1">
+    <dgm:scene3d>
+      <a:camera prst="orthographicFront"/>
+      <a:lightRig rig="threePt" dir="t"/>
+    </dgm:scene3d>
+    <dgm:sp3d z="57200" extrusionH="10600" prstMaterial="plastic">
+      <a:bevelT w="101600" h="8600" prst="relaxedInset"/>
+      <a:bevelB w="8600" h="8600" prst="relaxedInset"/>
+    </dgm:sp3d>
+    <dgm:txPr/>
+    <dgm:style>
+      <a:lnRef idx="0">
+        <a:scrgbClr r="0" g="0" b="0"/>
+      </a:lnRef>
+      <a:fillRef idx="1">
+        <a:scrgbClr r="0" g="0" b="0"/>
+      </a:fillRef>
+      <a:effectRef idx="1">
+        <a:scrgbClr r="0" g="0" b="0"/>
+      </a:effectRef>
+      <a:fontRef idx="minor"/>
+    </dgm:style>
+  </dgm:styleLbl>
+  <dgm:styleLbl name="alignImgPlace1">
+    <dgm:scene3d>
+      <a:camera prst="orthographicFront"/>
+      <a:lightRig rig="threePt" dir="t"/>
+    </dgm:scene3d>
+    <dgm:sp3d extrusionH="50600" prstMaterial="plastic">
+      <a:bevelT w="101600" h="80600" prst="relaxedInset"/>
+      <a:bevelB w="80600" h="80600" prst="relaxedInset"/>
+    </dgm:sp3d>
+    <dgm:txPr/>
+    <dgm:style>
+      <a:lnRef idx="0">
+        <a:scrgbClr r="0" g="0" b="0"/>
+      </a:lnRef>
+      <a:fillRef idx="1">
+        <a:scrgbClr r="0" g="0" b="0"/>
+      </a:fillRef>
+      <a:effectRef idx="1">
+        <a:scrgbClr r="0" g="0" b="0"/>
+      </a:effectRef>
+      <a:fontRef idx="minor"/>
+    </dgm:style>
+  </dgm:styleLbl>
+  <dgm:styleLbl name="bgImgPlace1">
+    <dgm:scene3d>
+      <a:camera prst="orthographicFront"/>
+      <a:lightRig rig="threePt" dir="t"/>
+    </dgm:scene3d>
+    <dgm:sp3d z="-211800" extrusionH="10600" prstMaterial="plastic">
+      <a:bevelT w="101600" h="8600" prst="relaxedInset"/>
+      <a:bevelB w="8600" h="8600" prst="relaxedInset"/>
+    </dgm:sp3d>
+    <dgm:txPr/>
+    <dgm:style>
+      <a:lnRef idx="0">
+        <a:scrgbClr r="0" g="0" b="0"/>
+      </a:lnRef>
+      <a:fillRef idx="1">
+        <a:scrgbClr r="0" g="0" b="0"/>
+      </a:fillRef>
+      <a:effectRef idx="1">
+        <a:scrgbClr r="0" g="0" b="0"/>
+      </a:effectRef>
+      <a:fontRef idx="minor"/>
+    </dgm:style>
+  </dgm:styleLbl>
+  <dgm:styleLbl name="sibTrans2D1">
+    <dgm:scene3d>
+      <a:camera prst="orthographicFront"/>
+      <a:lightRig rig="threePt" dir="t"/>
+    </dgm:scene3d>
+    <dgm:sp3d z="-110000">
+      <a:bevelT w="40600" h="20600" prst="relaxedInset"/>
+    </dgm:sp3d>
+    <dgm:txPr/>
+    <dgm:style>
+      <a:lnRef idx="0">
+        <a:scrgbClr r="0" g="0" b="0"/>
+      </a:lnRef>
+      <a:fillRef idx="1">
+        <a:scrgbClr r="0" g="0" b="0"/>
+      </a:fillRef>
+      <a:effectRef idx="2">
+        <a:scrgbClr r="0" g="0" b="0"/>
+      </a:effectRef>
+      <a:fontRef idx="minor"/>
+    </dgm:style>
+  </dgm:styleLbl>
+  <dgm:styleLbl name="fgSibTrans2D1">
+    <dgm:scene3d>
+      <a:camera prst="orthographicFront"/>
+      <a:lightRig rig="threePt" dir="t"/>
+    </dgm:scene3d>
+    <dgm:sp3d z="10600">
+      <a:bevelT w="40600" h="20600" prst="relaxedInset"/>
+    </dgm:sp3d>
+    <dgm:txPr/>
+    <dgm:style>
+      <a:lnRef idx="0">
+        <a:scrgbClr r="0" g="0" b="0"/>
+      </a:lnRef>
+      <a:fillRef idx="1">
+        <a:scrgbClr r="0" g="0" b="0"/>
+      </a:fillRef>
+      <a:effectRef idx="2">
+        <a:scrgbClr r="0" g="0" b="0"/>
+      </a:effectRef>
+      <a:fontRef idx="minor"/>
+    </dgm:style>
+  </dgm:styleLbl>
+  <dgm:styleLbl name="bgSibTrans2D1">
+    <dgm:scene3d>
+      <a:camera prst="orthographicFront"/>
+      <a:lightRig rig="threePt" dir="t"/>
+    </dgm:scene3d>
+    <dgm:sp3d z="-211800">
+      <a:bevelT w="40600" h="20600" prst="relaxedInset"/>
+    </dgm:sp3d>
+    <dgm:txPr/>
+    <dgm:style>
+      <a:lnRef idx="0">
+        <a:scrgbClr r="0" g="0" b="0"/>
+      </a:lnRef>
+      <a:fillRef idx="1">
+        <a:scrgbClr r="0" g="0" b="0"/>
+      </a:fillRef>
+      <a:effectRef idx="2">
+        <a:scrgbClr r="0" g="0" b="0"/>
+      </a:effectRef>
+      <a:fontRef idx="minor"/>
+    </dgm:style>
+  </dgm:styleLbl>
+  <dgm:styleLbl name="sibTrans1D1">
+    <dgm:scene3d>
+      <a:camera prst="orthographicFront"/>
+      <a:lightRig rig="threePt" dir="t"/>
+    </dgm:scene3d>
+    <dgm:sp3d z="-110000"/>
+    <dgm:txPr/>
+    <dgm:style>
+      <a:lnRef idx="1">
+        <a:scrgbClr r="0" g="0" b="0"/>
+      </a:lnRef>
+      <a:fillRef idx="0">
+        <a:scrgbClr r="0" g="0" b="0"/>
+      </a:fillRef>
+      <a:effectRef idx="0">
+        <a:scrgbClr r="0" g="0" b="0"/>
+      </a:effectRef>
+      <a:fontRef idx="minor"/>
+    </dgm:style>
+  </dgm:styleLbl>
+  <dgm:styleLbl name="callout">
+    <dgm:scene3d>
+      <a:camera prst="orthographicFront"/>
+      <a:lightRig rig="threePt" dir="t"/>
+    </dgm:scene3d>
+    <dgm:sp3d z="10000"/>
+    <dgm:txPr/>
+    <dgm:style>
+      <a:lnRef idx="1">
+        <a:scrgbClr r="0" g="0" b="0"/>
+      </a:lnRef>
+      <a:fillRef idx="1">
+        <a:scrgbClr r="0" g="0" b="0"/>
+      </a:fillRef>
+      <a:effectRef idx="0">
+        <a:scrgbClr r="0" g="0" b="0"/>
+      </a:effectRef>
+      <a:fontRef idx="minor"/>
+    </dgm:style>
+  </dgm:styleLbl>
+  <dgm:styleLbl name="asst0">
+    <dgm:scene3d>
+      <a:camera prst="orthographicFront"/>
+      <a:lightRig rig="threePt" dir="t"/>
+    </dgm:scene3d>
+    <dgm:sp3d extrusionH="50600" prstMaterial="plastic">
+      <a:bevelT w="101600" h="80600" prst="relaxedInset"/>
+      <a:bevelB w="80600" h="80600" prst="relaxedInset"/>
+    </dgm:sp3d>
+    <dgm:txPr/>
+    <dgm:style>
+      <a:lnRef idx="0">
+        <a:scrgbClr r="0" g="0" b="0"/>
+      </a:lnRef>
+      <a:fillRef idx="1">
+        <a:scrgbClr r="0" g="0" b="0"/>
+      </a:fillRef>
+      <a:effectRef idx="1">
+        <a:scrgbClr r="0" g="0" b="0"/>
+      </a:effectRef>
+      <a:fontRef idx="minor">
+        <a:schemeClr val="dk1"/>
+      </a:fontRef>
+    </dgm:style>
+  </dgm:styleLbl>
+  <dgm:styleLbl name="asst1">
+    <dgm:scene3d>
+      <a:camera prst="orthographicFront"/>
+      <a:lightRig rig="threePt" dir="t"/>
+    </dgm:scene3d>
+    <dgm:sp3d extrusionH="50600" prstMaterial="plastic">
+      <a:bevelT w="101600" h="80600" prst="relaxedInset"/>
+      <a:bevelB w="80600" h="80600" prst="relaxedInset"/>
+    </dgm:sp3d>
+    <dgm:txPr/>
+    <dgm:style>
+      <a:lnRef idx="0">
+        <a:scrgbClr r="0" g="0" b="0"/>
+      </a:lnRef>
+      <a:fillRef idx="1">
+        <a:scrgbClr r="0" g="0" b="0"/>
+      </a:fillRef>
+      <a:effectRef idx="1">
+        <a:scrgbClr r="0" g="0" b="0"/>
+      </a:effectRef>
+      <a:fontRef idx="minor">
+        <a:schemeClr val="dk1"/>
+      </a:fontRef>
+    </dgm:style>
+  </dgm:styleLbl>
+  <dgm:styleLbl name="asst2">
+    <dgm:scene3d>
+      <a:camera prst="orthographicFront"/>
+      <a:lightRig rig="threePt" dir="t"/>
+    </dgm:scene3d>
+    <dgm:sp3d extrusionH="50600" prstMaterial="plastic">
+      <a:bevelT w="101600" h="80600" prst="relaxedInset"/>
+      <a:bevelB w="80600" h="80600" prst="relaxedInset"/>
+    </dgm:sp3d>
+    <dgm:txPr/>
+    <dgm:style>
+      <a:lnRef idx="0">
+        <a:scrgbClr r="0" g="0" b="0"/>
+      </a:lnRef>
+      <a:fillRef idx="1">
+        <a:scrgbClr r="0" g="0" b="0"/>
+      </a:fillRef>
+      <a:effectRef idx="1">
+        <a:scrgbClr r="0" g="0" b="0"/>
+      </a:effectRef>
+      <a:fontRef idx="minor">
+        <a:schemeClr val="dk1"/>
+      </a:fontRef>
+    </dgm:style>
+  </dgm:styleLbl>
+  <dgm:styleLbl name="asst3">
+    <dgm:scene3d>
+      <a:camera prst="orthographicFront"/>
+      <a:lightRig rig="threePt" dir="t"/>
+    </dgm:scene3d>
+    <dgm:sp3d extrusionH="50600" prstMaterial="plastic">
+      <a:bevelT w="101600" h="80600" prst="relaxedInset"/>
+      <a:bevelB w="80600" h="80600" prst="relaxedInset"/>
+    </dgm:sp3d>
+    <dgm:txPr/>
+    <dgm:style>
+      <a:lnRef idx="0">
+        <a:scrgbClr r="0" g="0" b="0"/>
+      </a:lnRef>
+      <a:fillRef idx="1">
+        <a:scrgbClr r="0" g="0" b="0"/>
+      </a:fillRef>
+      <a:effectRef idx="1">
+        <a:scrgbClr r="0" g="0" b="0"/>
+      </a:effectRef>
+      <a:fontRef idx="minor">
+        <a:schemeClr val="dk1"/>
+      </a:fontRef>
+    </dgm:style>
+  </dgm:styleLbl>
+  <dgm:styleLbl name="asst4">
+    <dgm:scene3d>
+      <a:camera prst="orthographicFront"/>
+      <a:lightRig rig="threePt" dir="t"/>
+    </dgm:scene3d>
+    <dgm:sp3d extrusionH="50600" prstMaterial="plastic">
+      <a:bevelT w="101600" h="80600" prst="relaxedInset"/>
+      <a:bevelB w="80600" h="80600" prst="relaxedInset"/>
+    </dgm:sp3d>
+    <dgm:txPr/>
+    <dgm:style>
+      <a:lnRef idx="0">
+        <a:scrgbClr r="0" g="0" b="0"/>
+      </a:lnRef>
+      <a:fillRef idx="1">
+        <a:scrgbClr r="0" g="0" b="0"/>
+      </a:fillRef>
+      <a:effectRef idx="1">
+        <a:scrgbClr r="0" g="0" b="0"/>
+      </a:effectRef>
+      <a:fontRef idx="minor">
+        <a:schemeClr val="dk1"/>
+      </a:fontRef>
+    </dgm:style>
+  </dgm:styleLbl>
+  <dgm:styleLbl name="parChTrans2D1">
+    <dgm:scene3d>
+      <a:camera prst="orthographicFront"/>
+      <a:lightRig rig="threePt" dir="t"/>
+    </dgm:scene3d>
+    <dgm:sp3d z="-110000">
+      <a:bevelT w="40600" h="20600" prst="relaxedInset"/>
+    </dgm:sp3d>
+    <dgm:txPr/>
+    <dgm:style>
+      <a:lnRef idx="0">
+        <a:scrgbClr r="0" g="0" b="0"/>
+      </a:lnRef>
+      <a:fillRef idx="1">
+        <a:scrgbClr r="0" g="0" b="0"/>
+      </a:fillRef>
+      <a:effectRef idx="0">
+        <a:scrgbClr r="0" g="0" b="0"/>
+      </a:effectRef>
+      <a:fontRef idx="minor"/>
+    </dgm:style>
+  </dgm:styleLbl>
+  <dgm:styleLbl name="parChTrans2D2">
+    <dgm:scene3d>
+      <a:camera prst="orthographicFront"/>
+      <a:lightRig rig="threePt" dir="t"/>
+    </dgm:scene3d>
+    <dgm:sp3d z="-110000">
+      <a:bevelT w="40600" h="20600" prst="relaxedInset"/>
+    </dgm:sp3d>
+    <dgm:txPr/>
+    <dgm:style>
+      <a:lnRef idx="0">
+        <a:scrgbClr r="0" g="0" b="0"/>
+      </a:lnRef>
+      <a:fillRef idx="1">
+        <a:scrgbClr r="0" g="0" b="0"/>
+      </a:fillRef>
+      <a:effectRef idx="0">
+        <a:scrgbClr r="0" g="0" b="0"/>
+      </a:effectRef>
+      <a:fontRef idx="minor"/>
+    </dgm:style>
+  </dgm:styleLbl>
+  <dgm:styleLbl name="parChTrans2D3">
+    <dgm:scene3d>
+      <a:camera prst="orthographicFront"/>
+      <a:lightRig rig="threePt" dir="t"/>
+    </dgm:scene3d>
+    <dgm:sp3d z="-110000"/>
+    <dgm:txPr/>
+    <dgm:style>
+      <a:lnRef idx="0">
+        <a:scrgbClr r="0" g="0" b="0"/>
+      </a:lnRef>
+      <a:fillRef idx="1">
+        <a:scrgbClr r="0" g="0" b="0"/>
+      </a:fillRef>
+      <a:effectRef idx="0">
+        <a:scrgbClr r="0" g="0" b="0"/>
+      </a:effectRef>
+      <a:fontRef idx="minor"/>
+    </dgm:style>
+  </dgm:styleLbl>
+  <dgm:styleLbl name="parChTrans2D4">
+    <dgm:scene3d>
+      <a:camera prst="orthographicFront"/>
+      <a:lightRig rig="threePt" dir="t"/>
+    </dgm:scene3d>
+    <dgm:sp3d z="-110000"/>
+    <dgm:txPr/>
+    <dgm:style>
+      <a:lnRef idx="0">
+        <a:scrgbClr r="0" g="0" b="0"/>
+      </a:lnRef>
+      <a:fillRef idx="1">
+        <a:scrgbClr r="0" g="0" b="0"/>
+      </a:fillRef>
+      <a:effectRef idx="0">
+        <a:scrgbClr r="0" g="0" b="0"/>
+      </a:effectRef>
+      <a:fontRef idx="minor"/>
+    </dgm:style>
+  </dgm:styleLbl>
+  <dgm:styleLbl name="parChTrans1D1">
+    <dgm:scene3d>
+      <a:camera prst="orthographicFront"/>
+      <a:lightRig rig="threePt" dir="t"/>
+    </dgm:scene3d>
+    <dgm:sp3d z="-110000"/>
+    <dgm:txPr/>
+    <dgm:style>
+      <a:lnRef idx="2">
+        <a:scrgbClr r="0" g="0" b="0"/>
+      </a:lnRef>
+      <a:fillRef idx="0">
+        <a:scrgbClr r="0" g="0" b="0"/>
+      </a:fillRef>
+      <a:effectRef idx="0">
+        <a:scrgbClr r="0" g="0" b="0"/>
+      </a:effectRef>
+      <a:fontRef idx="minor"/>
+    </dgm:style>
+  </dgm:styleLbl>
+  <dgm:styleLbl name="parChTrans1D2">
+    <dgm:scene3d>
+      <a:camera prst="orthographicFront"/>
+      <a:lightRig rig="threePt" dir="t"/>
+    </dgm:scene3d>
+    <dgm:sp3d z="-110000"/>
+    <dgm:txPr/>
+    <dgm:style>
+      <a:lnRef idx="2">
+        <a:scrgbClr r="0" g="0" b="0"/>
+      </a:lnRef>
+      <a:fillRef idx="0">
+        <a:scrgbClr r="0" g="0" b="0"/>
+      </a:fillRef>
+      <a:effectRef idx="0">
+        <a:scrgbClr r="0" g="0" b="0"/>
+      </a:effectRef>
+      <a:fontRef idx="minor"/>
+    </dgm:style>
+  </dgm:styleLbl>
+  <dgm:styleLbl name="parChTrans1D3">
+    <dgm:scene3d>
+      <a:camera prst="orthographicFront"/>
+      <a:lightRig rig="threePt" dir="t"/>
+    </dgm:scene3d>
+    <dgm:sp3d z="-110000"/>
+    <dgm:txPr/>
+    <dgm:style>
+      <a:lnRef idx="2">
+        <a:scrgbClr r="0" g="0" b="0"/>
+      </a:lnRef>
+      <a:fillRef idx="0">
+        <a:scrgbClr r="0" g="0" b="0"/>
+      </a:fillRef>
+      <a:effectRef idx="0">
+        <a:scrgbClr r="0" g="0" b="0"/>
+      </a:effectRef>
+      <a:fontRef idx="minor"/>
+    </dgm:style>
+  </dgm:styleLbl>
+  <dgm:styleLbl name="parChTrans1D4">
+    <dgm:scene3d>
+      <a:camera prst="orthographicFront"/>
+      <a:lightRig rig="threePt" dir="t"/>
+    </dgm:scene3d>
+    <dgm:sp3d z="-110000"/>
+    <dgm:txPr/>
+    <dgm:style>
+      <a:lnRef idx="2">
+        <a:scrgbClr r="0" g="0" b="0"/>
+      </a:lnRef>
+      <a:fillRef idx="0">
+        <a:scrgbClr r="0" g="0" b="0"/>
+      </a:fillRef>
+      <a:effectRef idx="0">
+        <a:scrgbClr r="0" g="0" b="0"/>
+      </a:effectRef>
+      <a:fontRef idx="minor"/>
+    </dgm:style>
+  </dgm:styleLbl>
+  <dgm:styleLbl name="fgAcc1">
+    <dgm:scene3d>
+      <a:camera prst="orthographicFront"/>
+      <a:lightRig rig="threePt" dir="t"/>
+    </dgm:scene3d>
+    <dgm:sp3d z="57200" extrusionH="600" contourW="3000">
+      <a:bevelT w="48600" h="18600" prst="relaxedInset"/>
+      <a:bevelB w="48600" h="8600" prst="relaxedInset"/>
+    </dgm:sp3d>
+    <dgm:txPr/>
+    <dgm:style>
+      <a:lnRef idx="1">
+        <a:scrgbClr r="0" g="0" b="0"/>
+      </a:lnRef>
+      <a:fillRef idx="1">
+        <a:scrgbClr r="0" g="0" b="0"/>
+      </a:fillRef>
+      <a:effectRef idx="0">
+        <a:scrgbClr r="0" g="0" b="0"/>
+      </a:effectRef>
+      <a:fontRef idx="minor"/>
+    </dgm:style>
+  </dgm:styleLbl>
+  <dgm:styleLbl name="conFgAcc1">
+    <dgm:scene3d>
+      <a:camera prst="orthographicFront"/>
+      <a:lightRig rig="threePt" dir="t"/>
+    </dgm:scene3d>
+    <dgm:sp3d z="-161800" extrusionH="10600" prstMaterial="matte">
+      <a:bevelT w="90600" h="18600" prst="softRound"/>
+      <a:bevelB w="48600" h="8600" prst="relaxedInset"/>
+    </dgm:sp3d>
+    <dgm:txPr/>
+    <dgm:style>
+      <a:lnRef idx="1">
+        <a:scrgbClr r="0" g="0" b="0"/>
+      </a:lnRef>
+      <a:fillRef idx="1">
+        <a:scrgbClr r="0" g="0" b="0"/>
+      </a:fillRef>
+      <a:effectRef idx="0">
+        <a:scrgbClr r="0" g="0" b="0"/>
+      </a:effectRef>
+      <a:fontRef idx="minor"/>
+    </dgm:style>
+  </dgm:styleLbl>
+  <dgm:styleLbl name="alignAcc1">
+    <dgm:scene3d>
+      <a:camera prst="orthographicFront"/>
+      <a:lightRig rig="threePt" dir="t"/>
+    </dgm:scene3d>
+    <dgm:sp3d extrusionH="50600">
+      <a:bevelT w="101600" h="80600"/>
+      <a:bevelB w="80600" h="80600"/>
+    </dgm:sp3d>
+    <dgm:txPr/>
+    <dgm:style>
+      <a:lnRef idx="1">
+        <a:scrgbClr r="0" g="0" b="0"/>
+      </a:lnRef>
+      <a:fillRef idx="1">
+        <a:scrgbClr r="0" g="0" b="0"/>
+      </a:fillRef>
+      <a:effectRef idx="0">
+        <a:scrgbClr r="0" g="0" b="0"/>
+      </a:effectRef>
+      <a:fontRef idx="minor"/>
+    </dgm:style>
+  </dgm:styleLbl>
+  <dgm:styleLbl name="trAlignAcc1">
+    <dgm:scene3d>
+      <a:camera prst="orthographicFront"/>
+      <a:lightRig rig="threePt" dir="t"/>
+    </dgm:scene3d>
+    <dgm:sp3d extrusionH="50600">
+      <a:bevelT w="101600" h="80600"/>
+    </dgm:sp3d>
+    <dgm:txPr/>
+    <dgm:style>
+      <a:lnRef idx="1">
+        <a:scrgbClr r="0" g="0" b="0"/>
+      </a:lnRef>
+      <a:fillRef idx="1">
+        <a:scrgbClr r="0" g="0" b="0"/>
+      </a:fillRef>
+      <a:effectRef idx="0">
+        <a:scrgbClr r="0" g="0" b="0"/>
+      </a:effectRef>
+      <a:fontRef idx="minor"/>
+    </dgm:style>
+  </dgm:styleLbl>
+  <dgm:styleLbl name="bgAcc1">
+    <dgm:scene3d>
+      <a:camera prst="orthographicFront"/>
+      <a:lightRig rig="threePt" dir="t"/>
+    </dgm:scene3d>
+    <dgm:sp3d z="-161800" extrusionH="10600" prstMaterial="matte">
+      <a:bevelT w="90600" h="18600" prst="softRound"/>
+      <a:bevelB w="48600" h="8600" prst="relaxedInset"/>
+    </dgm:sp3d>
+    <dgm:txPr/>
+    <dgm:style>
+      <a:lnRef idx="1">
+        <a:scrgbClr r="0" g="0" b="0"/>
+      </a:lnRef>
+      <a:fillRef idx="1">
+        <a:scrgbClr r="0" g="0" b="0"/>
+      </a:fillRef>
+      <a:effectRef idx="0">
+        <a:scrgbClr r="0" g="0" b="0"/>
+      </a:effectRef>
+      <a:fontRef idx="minor"/>
+    </dgm:style>
+  </dgm:styleLbl>
+  <dgm:styleLbl name="solidFgAcc1">
+    <dgm:scene3d>
+      <a:camera prst="orthographicFront"/>
+      <a:lightRig rig="threePt" dir="t"/>
+    </dgm:scene3d>
+    <dgm:sp3d z="57200" extrusionH="600" contourW="3000">
+      <a:bevelT w="48600" h="18600" prst="relaxedInset"/>
+      <a:bevelB w="48600" h="8600" prst="relaxedInset"/>
+    </dgm:sp3d>
+    <dgm:txPr/>
+    <dgm:style>
+      <a:lnRef idx="0">
+        <a:scrgbClr r="0" g="0" b="0"/>
+      </a:lnRef>
+      <a:fillRef idx="1">
+        <a:scrgbClr r="0" g="0" b="0"/>
+      </a:fillRef>
+      <a:effectRef idx="0">
+        <a:scrgbClr r="0" g="0" b="0"/>
+      </a:effectRef>
+      <a:fontRef idx="minor"/>
+    </dgm:style>
+  </dgm:styleLbl>
+  <dgm:styleLbl name="solidAlignAcc1">
+    <dgm:scene3d>
+      <a:camera prst="orthographicFront"/>
+      <a:lightRig rig="threePt" dir="t"/>
+    </dgm:scene3d>
+    <dgm:sp3d extrusionH="50600" contourW="3000">
+      <a:bevelT w="101600" h="80600" prst="relaxedInset"/>
+      <a:bevelB w="80600" h="80600" prst="relaxedInset"/>
+    </dgm:sp3d>
+    <dgm:txPr/>
+    <dgm:style>
+      <a:lnRef idx="0">
+        <a:scrgbClr r="0" g="0" b="0"/>
+      </a:lnRef>
+      <a:fillRef idx="1">
+        <a:scrgbClr r="0" g="0" b="0"/>
+      </a:fillRef>
+      <a:effectRef idx="0">
+        <a:scrgbClr r="0" g="0" b="0"/>
+      </a:effectRef>
+      <a:fontRef idx="minor"/>
+    </dgm:style>
+  </dgm:styleLbl>
+  <dgm:styleLbl name="solidBgAcc1">
+    <dgm:scene3d>
+      <a:camera prst="orthographicFront"/>
+      <a:lightRig rig="threePt" dir="t"/>
+    </dgm:scene3d>
+    <dgm:sp3d z="-161800" extrusionH="10600" contourW="3000">
+      <a:bevelT w="48600" h="8600" prst="softRound"/>
+      <a:bevelB w="48600" h="8600" prst="relaxedInset"/>
+    </dgm:sp3d>
+    <dgm:txPr/>
+    <dgm:style>
+      <a:lnRef idx="0">
+        <a:scrgbClr r="0" g="0" b="0"/>
+      </a:lnRef>
+      <a:fillRef idx="1">
+        <a:scrgbClr r="0" g="0" b="0"/>
+      </a:fillRef>
+      <a:effectRef idx="0">
+        <a:scrgbClr r="0" g="0" b="0"/>
+      </a:effectRef>
+      <a:fontRef idx="minor"/>
+    </dgm:style>
+  </dgm:styleLbl>
+  <dgm:styleLbl name="fgAccFollowNode1">
+    <dgm:scene3d>
+      <a:camera prst="orthographicFront"/>
+      <a:lightRig rig="threePt" dir="t"/>
+    </dgm:scene3d>
+    <dgm:sp3d z="57200" extrusionH="600" contourW="3000">
+      <a:bevelT w="48600" h="18600" prst="relaxedInset"/>
+      <a:bevelB w="48600" h="8600" prst="relaxedInset"/>
+    </dgm:sp3d>
+    <dgm:txPr/>
+    <dgm:style>
+      <a:lnRef idx="0">
+        <a:scrgbClr r="0" g="0" b="0"/>
+      </a:lnRef>
+      <a:fillRef idx="1">
+        <a:scrgbClr r="0" g="0" b="0"/>
+      </a:fillRef>
+      <a:effectRef idx="0">
+        <a:scrgbClr r="0" g="0" b="0"/>
+      </a:effectRef>
+      <a:fontRef idx="minor"/>
+    </dgm:style>
+  </dgm:styleLbl>
+  <dgm:styleLbl name="alignAccFollowNode1">
+    <dgm:scene3d>
+      <a:camera prst="orthographicFront"/>
+      <a:lightRig rig="threePt" dir="t"/>
+    </dgm:scene3d>
+    <dgm:sp3d extrusionH="50600" contourW="3000">
+      <a:bevelT w="101600" h="80600" prst="relaxedInset"/>
+      <a:bevelB w="80600" h="80600" prst="relaxedInset"/>
+    </dgm:sp3d>
+    <dgm:txPr/>
+    <dgm:style>
+      <a:lnRef idx="0">
+        <a:scrgbClr r="0" g="0" b="0"/>
+      </a:lnRef>
+      <a:fillRef idx="1">
+        <a:scrgbClr r="0" g="0" b="0"/>
+      </a:fillRef>
+      <a:effectRef idx="0">
+        <a:scrgbClr r="0" g="0" b="0"/>
+      </a:effectRef>
+      <a:fontRef idx="minor"/>
+    </dgm:style>
+  </dgm:styleLbl>
+  <dgm:styleLbl name="bgAccFollowNode1">
+    <dgm:scene3d>
+      <a:camera prst="orthographicFront"/>
+      <a:lightRig rig="threePt" dir="t"/>
+    </dgm:scene3d>
+    <dgm:sp3d z="-161800" extrusionH="10600" contourW="3000">
+      <a:bevelT w="48600" h="8600" prst="relaxedInset"/>
+      <a:bevelB w="48600" h="8600" prst="relaxedInset"/>
+    </dgm:sp3d>
+    <dgm:txPr/>
+    <dgm:style>
+      <a:lnRef idx="0">
+        <a:scrgbClr r="0" g="0" b="0"/>
+      </a:lnRef>
+      <a:fillRef idx="1">
+        <a:scrgbClr r="0" g="0" b="0"/>
+      </a:fillRef>
+      <a:effectRef idx="0">
+        <a:scrgbClr r="0" g="0" b="0"/>
+      </a:effectRef>
+      <a:fontRef idx="minor"/>
+    </dgm:style>
+  </dgm:styleLbl>
+  <dgm:styleLbl name="fgAcc0">
+    <dgm:scene3d>
+      <a:camera prst="orthographicFront"/>
+      <a:lightRig rig="threePt" dir="t"/>
+    </dgm:scene3d>
+    <dgm:sp3d z="57200" extrusionH="600" contourW="3000">
+      <a:bevelT w="48600" h="18600" prst="relaxedInset"/>
+      <a:bevelB w="48600" h="8600" prst="relaxedInset"/>
+    </dgm:sp3d>
+    <dgm:txPr/>
+    <dgm:style>
+      <a:lnRef idx="1">
+        <a:scrgbClr r="0" g="0" b="0"/>
+      </a:lnRef>
+      <a:fillRef idx="1">
+        <a:scrgbClr r="0" g="0" b="0"/>
+      </a:fillRef>
+      <a:effectRef idx="0">
+        <a:scrgbClr r="0" g="0" b="0"/>
+      </a:effectRef>
+      <a:fontRef idx="minor"/>
+    </dgm:style>
+  </dgm:styleLbl>
+  <dgm:styleLbl name="fgAcc2">
+    <dgm:scene3d>
+      <a:camera prst="orthographicFront"/>
+      <a:lightRig rig="threePt" dir="t"/>
+    </dgm:scene3d>
+    <dgm:sp3d z="57200" extrusionH="600" contourW="3000">
+      <a:bevelT w="48600" h="18600" prst="relaxedInset"/>
+      <a:bevelB w="48600" h="8600" prst="relaxedInset"/>
+    </dgm:sp3d>
+    <dgm:txPr/>
+    <dgm:style>
+      <a:lnRef idx="1">
+        <a:scrgbClr r="0" g="0" b="0"/>
+      </a:lnRef>
+      <a:fillRef idx="1">
+        <a:scrgbClr r="0" g="0" b="0"/>
+      </a:fillRef>
+      <a:effectRef idx="0">
+        <a:scrgbClr r="0" g="0" b="0"/>
+      </a:effectRef>
+      <a:fontRef idx="minor"/>
+    </dgm:style>
+  </dgm:styleLbl>
+  <dgm:styleLbl name="fgAcc3">
+    <dgm:scene3d>
+      <a:camera prst="orthographicFront"/>
+      <a:lightRig rig="threePt" dir="t"/>
+    </dgm:scene3d>
+    <dgm:sp3d z="57200" extrusionH="600" contourW="3000">
+      <a:bevelT w="48600" h="18600" prst="relaxedInset"/>
+      <a:bevelB w="48600" h="8600" prst="relaxedInset"/>
+    </dgm:sp3d>
+    <dgm:txPr/>
+    <dgm:style>
+      <a:lnRef idx="1">
+        <a:scrgbClr r="0" g="0" b="0"/>
+      </a:lnRef>
+      <a:fillRef idx="1">
+        <a:scrgbClr r="0" g="0" b="0"/>
+      </a:fillRef>
+      <a:effectRef idx="0">
+        <a:scrgbClr r="0" g="0" b="0"/>
+      </a:effectRef>
+      <a:fontRef idx="minor"/>
+    </dgm:style>
+  </dgm:styleLbl>
+  <dgm:styleLbl name="fgAcc4">
+    <dgm:scene3d>
+      <a:camera prst="orthographicFront"/>
+      <a:lightRig rig="threePt" dir="t"/>
+    </dgm:scene3d>
+    <dgm:sp3d z="57200" extrusionH="600" contourW="3000">
+      <a:bevelT w="48600" h="18600" prst="relaxedInset"/>
+      <a:bevelB w="48600" h="8600" prst="relaxedInset"/>
+    </dgm:sp3d>
+    <dgm:txPr/>
+    <dgm:style>
+      <a:lnRef idx="1">
+        <a:scrgbClr r="0" g="0" b="0"/>
+      </a:lnRef>
+      <a:fillRef idx="1">
+        <a:scrgbClr r="0" g="0" b="0"/>
+      </a:fillRef>
+      <a:effectRef idx="0">
+        <a:scrgbClr r="0" g="0" b="0"/>
+      </a:effectRef>
+      <a:fontRef idx="minor"/>
+    </dgm:style>
+  </dgm:styleLbl>
+  <dgm:styleLbl name="bgShp">
+    <dgm:scene3d>
+      <a:camera prst="orthographicFront"/>
+      <a:lightRig rig="threePt" dir="t"/>
+    </dgm:scene3d>
+    <dgm:sp3d z="-161800" extrusionH="600" contourW="3000">
+      <a:bevelT w="48600" h="18600" prst="relaxedInset"/>
+      <a:bevelB w="48600" h="8600" prst="relaxedInset"/>
+    </dgm:sp3d>
+    <dgm:txPr/>
+    <dgm:style>
+      <a:lnRef idx="0">
+        <a:scrgbClr r="0" g="0" b="0"/>
+      </a:lnRef>
+      <a:fillRef idx="1">
+        <a:scrgbClr r="0" g="0" b="0"/>
+      </a:fillRef>
+      <a:effectRef idx="0">
+        <a:scrgbClr r="0" g="0" b="0"/>
+      </a:effectRef>
+      <a:fontRef idx="minor"/>
+    </dgm:style>
+  </dgm:styleLbl>
+  <dgm:styleLbl name="dkBgShp">
+    <dgm:scene3d>
+      <a:camera prst="orthographicFront"/>
+      <a:lightRig rig="threePt" dir="t"/>
+    </dgm:scene3d>
+    <dgm:sp3d extrusionH="50600">
+      <a:bevelT w="80600" h="80600" prst="relaxedInset"/>
+      <a:bevelB w="80600" h="80600" prst="relaxedInset"/>
+    </dgm:sp3d>
+    <dgm:txPr/>
+    <dgm:style>
+      <a:lnRef idx="0">
+        <a:scrgbClr r="0" g="0" b="0"/>
+      </a:lnRef>
+      <a:fillRef idx="1">
+        <a:scrgbClr r="0" g="0" b="0"/>
+      </a:fillRef>
+      <a:effectRef idx="0">
+        <a:scrgbClr r="0" g="0" b="0"/>
+      </a:effectRef>
+      <a:fontRef idx="minor"/>
+    </dgm:style>
+  </dgm:styleLbl>
+  <dgm:styleLbl name="trBgShp">
+    <dgm:scene3d>
+      <a:camera prst="orthographicFront"/>
+      <a:lightRig rig="threePt" dir="t"/>
+    </dgm:scene3d>
+    <dgm:sp3d z="-152400" prstMaterial="matte"/>
+    <dgm:txPr/>
+    <dgm:style>
+      <a:lnRef idx="0">
+        <a:scrgbClr r="0" g="0" b="0"/>
+      </a:lnRef>
+      <a:fillRef idx="1">
+        <a:scrgbClr r="0" g="0" b="0"/>
+      </a:fillRef>
+      <a:effectRef idx="0">
+        <a:scrgbClr r="0" g="0" b="0"/>
+      </a:effectRef>
+      <a:fontRef idx="minor"/>
+    </dgm:style>
+  </dgm:styleLbl>
+  <dgm:styleLbl name="fgShp">
+    <dgm:scene3d>
+      <a:camera prst="orthographicFront"/>
+      <a:lightRig rig="threePt" dir="t"/>
+    </dgm:scene3d>
+    <dgm:sp3d z="57200" extrusionH="600" contourW="3000" prstMaterial="plastic">
+      <a:bevelT w="80600" h="18600" prst="relaxedInset"/>
+      <a:bevelB w="80600" h="8600" prst="relaxedInset"/>
+    </dgm:sp3d>
+    <dgm:txPr/>
+    <dgm:style>
+      <a:lnRef idx="0">
+        <a:scrgbClr r="0" g="0" b="0"/>
+      </a:lnRef>
+      <a:fillRef idx="1">
+        <a:scrgbClr r="0" g="0" b="0"/>
+      </a:fillRef>
+      <a:effectRef idx="0">
+        <a:scrgbClr r="0" g="0" b="0"/>
+      </a:effectRef>
+      <a:fontRef idx="minor"/>
+    </dgm:style>
+  </dgm:styleLbl>
+  <dgm:styleLbl name="revTx">
+    <dgm:scene3d>
+      <a:camera prst="orthographicFront"/>
+      <a:lightRig rig="threePt" dir="t"/>
+    </dgm:scene3d>
+    <dgm:sp3d/>
+    <dgm:txPr/>
+    <dgm:style>
+      <a:lnRef idx="0">
+        <a:scrgbClr r="0" g="0" b="0"/>
+      </a:lnRef>
+      <a:fillRef idx="0">
+        <a:scrgbClr r="0" g="0" b="0"/>
+      </a:fillRef>
+      <a:effectRef idx="0">
+        <a:scrgbClr r="0" g="0" b="0"/>
+      </a:effectRef>
+      <a:fontRef idx="minor"/>
+    </dgm:style>
+  </dgm:styleLbl>
+</dgm:styleDef>
+</file>
+
 <file path=ppt/slideLayouts/slideLayout1.xml><?xml version="1.0" encoding="utf-8"?>
 <p:sldLayout xmlns:a="http://schemas.openxmlformats.org/drawingml/2006/main" xmlns:r="http://schemas.openxmlformats.org/officeDocument/2006/relationships" xmlns:p="http://schemas.openxmlformats.org/presentationml/2006/main" type="title" preserve="1">
   <p:cSld name="Title Slide">
@@ -261,7 +3072,7 @@
           <a:p>
             <a:fld id="{2C20F5EC-8EF0-417F-9F3F-A436A2C12366}" type="datetimeFigureOut">
               <a:rPr lang="en-NZ" smtClean="0"/>
-              <a:t>13/06/2022</a:t>
+              <a:t>20/06/2022</a:t>
             </a:fld>
             <a:endParaRPr lang="en-NZ"/>
           </a:p>
@@ -461,7 +3272,7 @@
           <a:p>
             <a:fld id="{2C20F5EC-8EF0-417F-9F3F-A436A2C12366}" type="datetimeFigureOut">
               <a:rPr lang="en-NZ" smtClean="0"/>
-              <a:t>13/06/2022</a:t>
+              <a:t>20/06/2022</a:t>
             </a:fld>
             <a:endParaRPr lang="en-NZ"/>
           </a:p>
@@ -671,7 +3482,7 @@
           <a:p>
             <a:fld id="{2C20F5EC-8EF0-417F-9F3F-A436A2C12366}" type="datetimeFigureOut">
               <a:rPr lang="en-NZ" smtClean="0"/>
-              <a:t>13/06/2022</a:t>
+              <a:t>20/06/2022</a:t>
             </a:fld>
             <a:endParaRPr lang="en-NZ"/>
           </a:p>
@@ -871,7 +3682,7 @@
           <a:p>
             <a:fld id="{2C20F5EC-8EF0-417F-9F3F-A436A2C12366}" type="datetimeFigureOut">
               <a:rPr lang="en-NZ" smtClean="0"/>
-              <a:t>13/06/2022</a:t>
+              <a:t>20/06/2022</a:t>
             </a:fld>
             <a:endParaRPr lang="en-NZ"/>
           </a:p>
@@ -1147,7 +3958,7 @@
           <a:p>
             <a:fld id="{2C20F5EC-8EF0-417F-9F3F-A436A2C12366}" type="datetimeFigureOut">
               <a:rPr lang="en-NZ" smtClean="0"/>
-              <a:t>13/06/2022</a:t>
+              <a:t>20/06/2022</a:t>
             </a:fld>
             <a:endParaRPr lang="en-NZ"/>
           </a:p>
@@ -1415,7 +4226,7 @@
           <a:p>
             <a:fld id="{2C20F5EC-8EF0-417F-9F3F-A436A2C12366}" type="datetimeFigureOut">
               <a:rPr lang="en-NZ" smtClean="0"/>
-              <a:t>13/06/2022</a:t>
+              <a:t>20/06/2022</a:t>
             </a:fld>
             <a:endParaRPr lang="en-NZ"/>
           </a:p>
@@ -1830,7 +4641,7 @@
           <a:p>
             <a:fld id="{2C20F5EC-8EF0-417F-9F3F-A436A2C12366}" type="datetimeFigureOut">
               <a:rPr lang="en-NZ" smtClean="0"/>
-              <a:t>13/06/2022</a:t>
+              <a:t>20/06/2022</a:t>
             </a:fld>
             <a:endParaRPr lang="en-NZ"/>
           </a:p>
@@ -1972,7 +4783,7 @@
           <a:p>
             <a:fld id="{2C20F5EC-8EF0-417F-9F3F-A436A2C12366}" type="datetimeFigureOut">
               <a:rPr lang="en-NZ" smtClean="0"/>
-              <a:t>13/06/2022</a:t>
+              <a:t>20/06/2022</a:t>
             </a:fld>
             <a:endParaRPr lang="en-NZ"/>
           </a:p>
@@ -2085,7 +4896,7 @@
           <a:p>
             <a:fld id="{2C20F5EC-8EF0-417F-9F3F-A436A2C12366}" type="datetimeFigureOut">
               <a:rPr lang="en-NZ" smtClean="0"/>
-              <a:t>13/06/2022</a:t>
+              <a:t>20/06/2022</a:t>
             </a:fld>
             <a:endParaRPr lang="en-NZ"/>
           </a:p>
@@ -2398,7 +5209,7 @@
           <a:p>
             <a:fld id="{2C20F5EC-8EF0-417F-9F3F-A436A2C12366}" type="datetimeFigureOut">
               <a:rPr lang="en-NZ" smtClean="0"/>
-              <a:t>13/06/2022</a:t>
+              <a:t>20/06/2022</a:t>
             </a:fld>
             <a:endParaRPr lang="en-NZ"/>
           </a:p>
@@ -2687,7 +5498,7 @@
           <a:p>
             <a:fld id="{2C20F5EC-8EF0-417F-9F3F-A436A2C12366}" type="datetimeFigureOut">
               <a:rPr lang="en-NZ" smtClean="0"/>
-              <a:t>13/06/2022</a:t>
+              <a:t>20/06/2022</a:t>
             </a:fld>
             <a:endParaRPr lang="en-NZ"/>
           </a:p>
@@ -2930,7 +5741,7 @@
           <a:p>
             <a:fld id="{2C20F5EC-8EF0-417F-9F3F-A436A2C12366}" type="datetimeFigureOut">
               <a:rPr lang="en-NZ" smtClean="0"/>
-              <a:t>13/06/2022</a:t>
+              <a:t>20/06/2022</a:t>
             </a:fld>
             <a:endParaRPr lang="en-NZ"/>
           </a:p>
@@ -4698,6 +7509,72 @@
 </p:sld>
 </file>
 
+<file path=ppt/slides/slide2.xml><?xml version="1.0" encoding="utf-8"?>
+<p:sld xmlns:a="http://schemas.openxmlformats.org/drawingml/2006/main" xmlns:r="http://schemas.openxmlformats.org/officeDocument/2006/relationships" xmlns:p="http://schemas.openxmlformats.org/presentationml/2006/main">
+  <p:cSld>
+    <p:bg>
+      <p:bgPr>
+        <a:solidFill>
+          <a:schemeClr val="bg1"/>
+        </a:solidFill>
+        <a:effectLst/>
+      </p:bgPr>
+    </p:bg>
+    <p:spTree>
+      <p:nvGrpSpPr>
+        <p:cNvPr id="1" name=""/>
+        <p:cNvGrpSpPr/>
+        <p:nvPr/>
+      </p:nvGrpSpPr>
+      <p:grpSpPr>
+        <a:xfrm>
+          <a:off x="0" y="0"/>
+          <a:ext cx="0" cy="0"/>
+          <a:chOff x="0" y="0"/>
+          <a:chExt cx="0" cy="0"/>
+        </a:xfrm>
+      </p:grpSpPr>
+      <p:graphicFrame>
+        <p:nvGraphicFramePr>
+          <p:cNvPr id="2" name="Diagram 1">
+            <a:extLst>
+              <a:ext uri="{FF2B5EF4-FFF2-40B4-BE49-F238E27FC236}">
+                <a16:creationId xmlns:a16="http://schemas.microsoft.com/office/drawing/2014/main" id="{41725580-1EA3-07A9-9D12-3BD6EFA19303}"/>
+              </a:ext>
+            </a:extLst>
+          </p:cNvPr>
+          <p:cNvGraphicFramePr/>
+          <p:nvPr>
+            <p:extLst>
+              <p:ext uri="{D42A27DB-BD31-4B8C-83A1-F6EECF244321}">
+                <p14:modId xmlns:p14="http://schemas.microsoft.com/office/powerpoint/2010/main" val="453088915"/>
+              </p:ext>
+            </p:extLst>
+          </p:nvPr>
+        </p:nvGraphicFramePr>
+        <p:xfrm>
+          <a:off x="560718" y="146649"/>
+          <a:ext cx="11412746" cy="6599208"/>
+        </p:xfrm>
+        <a:graphic>
+          <a:graphicData uri="http://schemas.openxmlformats.org/drawingml/2006/diagram">
+            <dgm:relIds xmlns:dgm="http://schemas.openxmlformats.org/drawingml/2006/diagram" xmlns:r="http://schemas.openxmlformats.org/officeDocument/2006/relationships" r:dm="rId2" r:lo="rId3" r:qs="rId4" r:cs="rId5"/>
+          </a:graphicData>
+        </a:graphic>
+      </p:graphicFrame>
+    </p:spTree>
+    <p:extLst>
+      <p:ext uri="{BB962C8B-B14F-4D97-AF65-F5344CB8AC3E}">
+        <p14:creationId xmlns:p14="http://schemas.microsoft.com/office/powerpoint/2010/main" val="27438664"/>
+      </p:ext>
+    </p:extLst>
+  </p:cSld>
+  <p:clrMapOvr>
+    <a:masterClrMapping/>
+  </p:clrMapOvr>
+</p:sld>
+</file>
+
 <file path=ppt/theme/theme1.xml><?xml version="1.0" encoding="utf-8"?>
 <a:theme xmlns:a="http://schemas.openxmlformats.org/drawingml/2006/main" name="Office Theme">
   <a:themeElements>
